--- a/spring13/slides13/pairwisesample.pptx
+++ b/spring13/slides13/pairwisesample.pptx
@@ -2631,7 +2631,52 @@
                 <a:uFillTx/>
                 <a:latin typeface="Comic Sans MS" pitchFamily="66" charset="0"/>
               </a:rPr>
-              <a:t>Albert R Meyer,                May 10, 2013</a:t>
+              <a:t>Albert R Meyer,                </a:t>
+            </a:r>
+            <a:r>
+              <a:rPr kumimoji="0" lang="en-US" sz="1200" b="0" i="0" u="none" strike="noStrike" kern="1200" cap="none" spc="0" normalizeH="0" baseline="0" noProof="0" smtClean="0">
+                <a:ln>
+                  <a:noFill/>
+                </a:ln>
+                <a:solidFill>
+                  <a:schemeClr val="tx1"/>
+                </a:solidFill>
+                <a:effectLst/>
+                <a:uLnTx/>
+                <a:uFillTx/>
+                <a:latin typeface="Comic Sans MS" pitchFamily="66" charset="0"/>
+              </a:rPr>
+              <a:t>May </a:t>
+            </a:r>
+            <a:r>
+              <a:rPr kumimoji="0" lang="en-US" sz="1200" b="0" i="0" u="none" strike="noStrike" kern="1200" cap="none" spc="0" normalizeH="0" baseline="0" noProof="0" smtClean="0">
+                <a:ln>
+                  <a:noFill/>
+                </a:ln>
+                <a:solidFill>
+                  <a:schemeClr val="tx1"/>
+                </a:solidFill>
+                <a:effectLst/>
+                <a:uLnTx/>
+                <a:uFillTx/>
+                <a:latin typeface="Comic Sans MS" pitchFamily="66" charset="0"/>
+              </a:rPr>
+              <a:t>13, </a:t>
+            </a:r>
+            <a:r>
+              <a:rPr kumimoji="0" lang="en-US" sz="1200" b="0" i="0" u="none" strike="noStrike" kern="1200" cap="none" spc="0" normalizeH="0" baseline="0" noProof="0" dirty="0" smtClean="0">
+                <a:ln>
+                  <a:noFill/>
+                </a:ln>
+                <a:solidFill>
+                  <a:schemeClr val="tx1"/>
+                </a:solidFill>
+                <a:effectLst/>
+                <a:uLnTx/>
+                <a:uFillTx/>
+                <a:latin typeface="Comic Sans MS" pitchFamily="66" charset="0"/>
+              </a:rPr>
+              <a:t>2013</a:t>
             </a:r>
             <a:endParaRPr kumimoji="0" lang="en-US" sz="1200" b="0" i="0" u="none" strike="noStrike" kern="1200" cap="none" spc="0" normalizeH="0" baseline="0" noProof="0" dirty="0">
               <a:ln>
@@ -3876,27 +3921,7 @@
                 <a:latin typeface="Comic Sans MS"/>
                 <a:cs typeface="Comic Sans MS"/>
               </a:rPr>
-              <a:t>S</a:t>
-            </a:r>
-            <a:r>
-              <a:rPr lang="en-US" sz="7200" b="1" dirty="0" smtClean="0">
-                <a:solidFill>
-                  <a:schemeClr val="tx2"/>
-                </a:solidFill>
-                <a:latin typeface="Comic Sans MS"/>
-                <a:cs typeface="Comic Sans MS"/>
-              </a:rPr>
-              <a:t>ampling </a:t>
-            </a:r>
-            <a:r>
-              <a:rPr lang="en-US" sz="7200" b="1" dirty="0" smtClean="0">
-                <a:solidFill>
-                  <a:schemeClr val="tx2"/>
-                </a:solidFill>
-                <a:latin typeface="Comic Sans MS"/>
-                <a:cs typeface="Comic Sans MS"/>
-              </a:rPr>
-              <a:t>Theorem</a:t>
+              <a:t>Sampling Theorem</a:t>
             </a:r>
             <a:endParaRPr lang="en-US" sz="1600" b="1" dirty="0">
               <a:solidFill>
@@ -4030,7 +4055,7 @@
           <a:graphicData uri="http://schemas.openxmlformats.org/presentationml/2006/ole">
             <mc:AlternateContent xmlns:mc="http://schemas.openxmlformats.org/markup-compatibility/2006">
               <mc:Choice xmlns:v="urn:schemas-microsoft-com:vml" Requires="v">
-                <p:oleObj spid="_x0000_s185403" name="Equation" r:id="rId4" imgW="1549400" imgH="355600" progId="Equation.DSMT4">
+                <p:oleObj spid="_x0000_s185405" name="Equation" r:id="rId4" imgW="1549400" imgH="355600" progId="Equation.DSMT4">
                   <p:embed/>
                 </p:oleObj>
               </mc:Choice>
@@ -4734,7 +4759,7 @@
           <a:graphicData uri="http://schemas.openxmlformats.org/presentationml/2006/ole">
             <mc:AlternateContent xmlns:mc="http://schemas.openxmlformats.org/markup-compatibility/2006">
               <mc:Choice xmlns:v="urn:schemas-microsoft-com:vml" Requires="v">
-                <p:oleObj spid="_x0000_s146558" name="Equation" r:id="rId5" imgW="673100" imgH="469900" progId="Equation.DSMT4">
+                <p:oleObj spid="_x0000_s146562" name="Equation" r:id="rId5" imgW="673100" imgH="469900" progId="Equation.DSMT4">
                   <p:embed/>
                 </p:oleObj>
               </mc:Choice>
@@ -4810,7 +4835,7 @@
           <a:graphicData uri="http://schemas.openxmlformats.org/presentationml/2006/ole">
             <mc:AlternateContent xmlns:mc="http://schemas.openxmlformats.org/markup-compatibility/2006">
               <mc:Choice xmlns:v="urn:schemas-microsoft-com:vml" Requires="v">
-                <p:oleObj spid="_x0000_s146559" name="Equation" r:id="rId7" imgW="2019300" imgH="584200" progId="Equation.DSMT4">
+                <p:oleObj spid="_x0000_s146563" name="Equation" r:id="rId7" imgW="2019300" imgH="584200" progId="Equation.DSMT4">
                   <p:embed/>
                 </p:oleObj>
               </mc:Choice>
@@ -4995,7 +5020,7 @@
           <a:graphicData uri="http://schemas.openxmlformats.org/presentationml/2006/ole">
             <mc:AlternateContent xmlns:mc="http://schemas.openxmlformats.org/markup-compatibility/2006">
               <mc:Choice xmlns:v="urn:schemas-microsoft-com:vml" Requires="v">
-                <p:oleObj spid="_x0000_s146560" name="Equation" r:id="rId9" imgW="1943100" imgH="533400" progId="Equation.DSMT4">
+                <p:oleObj spid="_x0000_s146564" name="Equation" r:id="rId9" imgW="1943100" imgH="533400" progId="Equation.DSMT4">
                   <p:embed/>
                 </p:oleObj>
               </mc:Choice>
@@ -5051,13 +5076,13 @@
   <p:clrMapOvr>
     <a:masterClrMapping/>
   </p:clrMapOvr>
-  <mc:AlternateContent xmlns:mc="http://schemas.openxmlformats.org/markup-compatibility/2006">
-    <mc:Choice xmlns:p14="http://schemas.microsoft.com/office/powerpoint/2010/main" Requires="p14">
+  <mc:AlternateContent xmlns:mc="http://schemas.openxmlformats.org/markup-compatibility/2006" xmlns:p14="http://schemas.microsoft.com/office/powerpoint/2010/main">
+    <mc:Choice Requires="p14">
       <p:transition spd="med" p14:dur="700" advClick="0">
         <p:fade/>
       </p:transition>
     </mc:Choice>
-    <mc:Fallback>
+    <mc:Fallback xmlns="">
       <p:transition xmlns:p14="http://schemas.microsoft.com/office/powerpoint/2010/main" spd="med" advClick="0">
         <p:fade/>
       </p:transition>
@@ -5337,7 +5362,7 @@
           <a:graphicData uri="http://schemas.openxmlformats.org/presentationml/2006/ole">
             <mc:AlternateContent xmlns:mc="http://schemas.openxmlformats.org/markup-compatibility/2006">
               <mc:Choice xmlns:v="urn:schemas-microsoft-com:vml" Requires="v">
-                <p:oleObj spid="_x0000_s209972" name="Equation" r:id="rId5" imgW="1816100" imgH="546100" progId="Equation.DSMT4">
+                <p:oleObj spid="_x0000_s209974" name="Equation" r:id="rId5" imgW="1816100" imgH="546100" progId="Equation.DSMT4">
                   <p:embed/>
                 </p:oleObj>
               </mc:Choice>
@@ -6161,7 +6186,7 @@
           <a:graphicData uri="http://schemas.openxmlformats.org/presentationml/2006/ole">
             <mc:AlternateContent xmlns:mc="http://schemas.openxmlformats.org/markup-compatibility/2006">
               <mc:Choice xmlns:v="urn:schemas-microsoft-com:vml" Requires="v">
-                <p:oleObj spid="_x0000_s150646" name="Equation" r:id="rId5" imgW="2336800" imgH="673100" progId="Equation.DSMT4">
+                <p:oleObj spid="_x0000_s150650" name="Equation" r:id="rId5" imgW="2336800" imgH="673100" progId="Equation.DSMT4">
                   <p:embed/>
                 </p:oleObj>
               </mc:Choice>
@@ -6231,7 +6256,7 @@
           <a:graphicData uri="http://schemas.openxmlformats.org/presentationml/2006/ole">
             <mc:AlternateContent xmlns:mc="http://schemas.openxmlformats.org/markup-compatibility/2006">
               <mc:Choice xmlns:v="urn:schemas-microsoft-com:vml" Requires="v">
-                <p:oleObj spid="_x0000_s150647" name="Equation" r:id="rId7" imgW="2527300" imgH="571500" progId="Equation.DSMT4">
+                <p:oleObj spid="_x0000_s150651" name="Equation" r:id="rId7" imgW="2527300" imgH="571500" progId="Equation.DSMT4">
                   <p:embed/>
                 </p:oleObj>
               </mc:Choice>
@@ -6301,7 +6326,7 @@
           <a:graphicData uri="http://schemas.openxmlformats.org/presentationml/2006/ole">
             <mc:AlternateContent xmlns:mc="http://schemas.openxmlformats.org/markup-compatibility/2006">
               <mc:Choice xmlns:v="urn:schemas-microsoft-com:vml" Requires="v">
-                <p:oleObj spid="_x0000_s150648" name="Equation" r:id="rId9" imgW="787320" imgH="444240" progId="Equation.DSMT4">
+                <p:oleObj spid="_x0000_s150652" name="Equation" r:id="rId9" imgW="787320" imgH="444240" progId="Equation.DSMT4">
                   <p:embed/>
                 </p:oleObj>
               </mc:Choice>
@@ -8069,7 +8094,7 @@
           <a:graphicData uri="http://schemas.openxmlformats.org/presentationml/2006/ole">
             <mc:AlternateContent xmlns:mc="http://schemas.openxmlformats.org/markup-compatibility/2006">
               <mc:Choice xmlns:v="urn:schemas-microsoft-com:vml" Requires="v">
-                <p:oleObj spid="_x0000_s154712" name="Equation" r:id="rId5" imgW="1816100" imgH="330200" progId="Equation.DSMT4">
+                <p:oleObj spid="_x0000_s154715" name="Equation" r:id="rId5" imgW="1816100" imgH="330200" progId="Equation.DSMT4">
                   <p:embed/>
                 </p:oleObj>
               </mc:Choice>
@@ -8133,7 +8158,7 @@
           <a:graphicData uri="http://schemas.openxmlformats.org/presentationml/2006/ole">
             <mc:AlternateContent xmlns:mc="http://schemas.openxmlformats.org/markup-compatibility/2006">
               <mc:Choice xmlns:v="urn:schemas-microsoft-com:vml" Requires="v">
-                <p:oleObj spid="_x0000_s154713" name="Equation" r:id="rId7" imgW="1714500" imgH="596900" progId="Equation.DSMT4">
+                <p:oleObj spid="_x0000_s154716" name="Equation" r:id="rId7" imgW="1714500" imgH="596900" progId="Equation.DSMT4">
                   <p:embed/>
                 </p:oleObj>
               </mc:Choice>

--- a/spring13/slides13/pairwisesample.pptx
+++ b/spring13/slides13/pairwisesample.pptx
@@ -2646,22 +2646,7 @@
                 <a:uFillTx/>
                 <a:latin typeface="Comic Sans MS" pitchFamily="66" charset="0"/>
               </a:rPr>
-              <a:t>May </a:t>
-            </a:r>
-            <a:r>
-              <a:rPr kumimoji="0" lang="en-US" sz="1200" b="0" i="0" u="none" strike="noStrike" kern="1200" cap="none" spc="0" normalizeH="0" baseline="0" noProof="0" smtClean="0">
-                <a:ln>
-                  <a:noFill/>
-                </a:ln>
-                <a:solidFill>
-                  <a:schemeClr val="tx1"/>
-                </a:solidFill>
-                <a:effectLst/>
-                <a:uLnTx/>
-                <a:uFillTx/>
-                <a:latin typeface="Comic Sans MS" pitchFamily="66" charset="0"/>
-              </a:rPr>
-              <a:t>13, </a:t>
+              <a:t>May 13, </a:t>
             </a:r>
             <a:r>
               <a:rPr kumimoji="0" lang="en-US" sz="1200" b="0" i="0" u="none" strike="noStrike" kern="1200" cap="none" spc="0" normalizeH="0" baseline="0" noProof="0" dirty="0" smtClean="0">
@@ -4042,25 +4027,25 @@
           <p:nvPr>
             <p:extLst>
               <p:ext uri="{D42A27DB-BD31-4B8C-83A1-F6EECF244321}">
-                <p14:modId xmlns:p14="http://schemas.microsoft.com/office/powerpoint/2010/main" val="2459106114"/>
+                <p14:modId xmlns:p14="http://schemas.microsoft.com/office/powerpoint/2010/main" val="2133424732"/>
               </p:ext>
             </p:extLst>
           </p:nvPr>
         </p:nvGraphicFramePr>
         <p:xfrm>
-          <a:off x="471488" y="3308350"/>
-          <a:ext cx="8235950" cy="1889125"/>
+          <a:off x="201613" y="3375025"/>
+          <a:ext cx="8777287" cy="1754188"/>
         </p:xfrm>
         <a:graphic>
           <a:graphicData uri="http://schemas.openxmlformats.org/presentationml/2006/ole">
             <mc:AlternateContent xmlns:mc="http://schemas.openxmlformats.org/markup-compatibility/2006">
               <mc:Choice xmlns:v="urn:schemas-microsoft-com:vml" Requires="v">
-                <p:oleObj spid="_x0000_s185405" name="Equation" r:id="rId4" imgW="1549400" imgH="355600" progId="Equation.DSMT4">
+                <p:oleObj spid="_x0000_s185410" name="Equation" r:id="rId4" imgW="1651000" imgH="330200" progId="Equation.DSMT4">
                   <p:embed/>
                 </p:oleObj>
               </mc:Choice>
               <mc:Fallback>
-                <p:oleObj name="Equation" r:id="rId4" imgW="1549400" imgH="355600" progId="Equation.DSMT4">
+                <p:oleObj name="Equation" r:id="rId4" imgW="1651000" imgH="330200" progId="Equation.DSMT4">
                   <p:embed/>
                   <p:pic>
                     <p:nvPicPr>
@@ -4078,8 +4063,8 @@
                     </p:blipFill>
                     <p:spPr>
                       <a:xfrm>
-                        <a:off x="471488" y="3308350"/>
-                        <a:ext cx="8235950" cy="1889125"/>
+                        <a:off x="201613" y="3375025"/>
+                        <a:ext cx="8777287" cy="1754188"/>
                       </a:xfrm>
                       <a:prstGeom prst="rect">
                         <a:avLst/>
@@ -4759,7 +4744,7 @@
           <a:graphicData uri="http://schemas.openxmlformats.org/presentationml/2006/ole">
             <mc:AlternateContent xmlns:mc="http://schemas.openxmlformats.org/markup-compatibility/2006">
               <mc:Choice xmlns:v="urn:schemas-microsoft-com:vml" Requires="v">
-                <p:oleObj spid="_x0000_s146562" name="Equation" r:id="rId5" imgW="673100" imgH="469900" progId="Equation.DSMT4">
+                <p:oleObj spid="_x0000_s146573" name="Equation" r:id="rId5" imgW="673100" imgH="469900" progId="Equation.DSMT4">
                   <p:embed/>
                 </p:oleObj>
               </mc:Choice>
@@ -4822,25 +4807,25 @@
           <p:nvPr>
             <p:extLst>
               <p:ext uri="{D42A27DB-BD31-4B8C-83A1-F6EECF244321}">
-                <p14:modId xmlns:p14="http://schemas.microsoft.com/office/powerpoint/2010/main" val="2048078612"/>
+                <p14:modId xmlns:p14="http://schemas.microsoft.com/office/powerpoint/2010/main" val="3087108665"/>
               </p:ext>
             </p:extLst>
           </p:nvPr>
         </p:nvGraphicFramePr>
         <p:xfrm>
-          <a:off x="1128713" y="1044575"/>
-          <a:ext cx="6875462" cy="1989138"/>
+          <a:off x="1214438" y="1044575"/>
+          <a:ext cx="6702425" cy="1989138"/>
         </p:xfrm>
         <a:graphic>
           <a:graphicData uri="http://schemas.openxmlformats.org/presentationml/2006/ole">
             <mc:AlternateContent xmlns:mc="http://schemas.openxmlformats.org/markup-compatibility/2006">
               <mc:Choice xmlns:v="urn:schemas-microsoft-com:vml" Requires="v">
-                <p:oleObj spid="_x0000_s146563" name="Equation" r:id="rId7" imgW="2019300" imgH="584200" progId="Equation.DSMT4">
+                <p:oleObj spid="_x0000_s146574" name="Equation" r:id="rId7" imgW="1968500" imgH="584200" progId="Equation.DSMT4">
                   <p:embed/>
                 </p:oleObj>
               </mc:Choice>
               <mc:Fallback>
-                <p:oleObj name="Equation" r:id="rId7" imgW="2019300" imgH="584200" progId="Equation.DSMT4">
+                <p:oleObj name="Equation" r:id="rId7" imgW="1968500" imgH="584200" progId="Equation.DSMT4">
                   <p:embed/>
                   <p:pic>
                     <p:nvPicPr>
@@ -4859,8 +4844,8 @@
                     </p:blipFill>
                     <p:spPr bwMode="auto">
                       <a:xfrm>
-                        <a:off x="1128713" y="1044575"/>
-                        <a:ext cx="6875462" cy="1989138"/>
+                        <a:off x="1214438" y="1044575"/>
+                        <a:ext cx="6702425" cy="1989138"/>
                       </a:xfrm>
                       <a:prstGeom prst="rect">
                         <a:avLst/>
@@ -5007,25 +4992,25 @@
           <p:nvPr>
             <p:extLst>
               <p:ext uri="{D42A27DB-BD31-4B8C-83A1-F6EECF244321}">
-                <p14:modId xmlns:p14="http://schemas.microsoft.com/office/powerpoint/2010/main" val="539215836"/>
+                <p14:modId xmlns:p14="http://schemas.microsoft.com/office/powerpoint/2010/main" val="2819102633"/>
               </p:ext>
             </p:extLst>
           </p:nvPr>
         </p:nvGraphicFramePr>
         <p:xfrm>
-          <a:off x="2949575" y="2881313"/>
-          <a:ext cx="5811838" cy="1593850"/>
+          <a:off x="3140075" y="2936875"/>
+          <a:ext cx="5430838" cy="1481138"/>
         </p:xfrm>
         <a:graphic>
           <a:graphicData uri="http://schemas.openxmlformats.org/presentationml/2006/ole">
             <mc:AlternateContent xmlns:mc="http://schemas.openxmlformats.org/markup-compatibility/2006">
               <mc:Choice xmlns:v="urn:schemas-microsoft-com:vml" Requires="v">
-                <p:oleObj spid="_x0000_s146564" name="Equation" r:id="rId9" imgW="1943100" imgH="533400" progId="Equation.DSMT4">
+                <p:oleObj spid="_x0000_s146575" name="Equation" r:id="rId9" imgW="1816100" imgH="495300" progId="Equation.DSMT4">
                   <p:embed/>
                 </p:oleObj>
               </mc:Choice>
               <mc:Fallback>
-                <p:oleObj name="Equation" r:id="rId9" imgW="1943100" imgH="533400" progId="Equation.DSMT4">
+                <p:oleObj name="Equation" r:id="rId9" imgW="1816100" imgH="495300" progId="Equation.DSMT4">
                   <p:embed/>
                   <p:pic>
                     <p:nvPicPr>
@@ -5044,8 +5029,8 @@
                     </p:blipFill>
                     <p:spPr bwMode="auto">
                       <a:xfrm>
-                        <a:off x="2949575" y="2881313"/>
-                        <a:ext cx="5811838" cy="1593850"/>
+                        <a:off x="3140075" y="2936875"/>
+                        <a:ext cx="5430838" cy="1481138"/>
                       </a:xfrm>
                       <a:prstGeom prst="rect">
                         <a:avLst/>
@@ -5349,25 +5334,25 @@
           <p:nvPr>
             <p:extLst>
               <p:ext uri="{D42A27DB-BD31-4B8C-83A1-F6EECF244321}">
-                <p14:modId xmlns:p14="http://schemas.microsoft.com/office/powerpoint/2010/main" val="2090715607"/>
+                <p14:modId xmlns:p14="http://schemas.microsoft.com/office/powerpoint/2010/main" val="2540682386"/>
               </p:ext>
             </p:extLst>
           </p:nvPr>
         </p:nvGraphicFramePr>
         <p:xfrm>
-          <a:off x="595313" y="1782763"/>
-          <a:ext cx="7977187" cy="2397125"/>
+          <a:off x="317500" y="1893888"/>
+          <a:ext cx="8534400" cy="2173287"/>
         </p:xfrm>
         <a:graphic>
           <a:graphicData uri="http://schemas.openxmlformats.org/presentationml/2006/ole">
             <mc:AlternateContent xmlns:mc="http://schemas.openxmlformats.org/markup-compatibility/2006">
               <mc:Choice xmlns:v="urn:schemas-microsoft-com:vml" Requires="v">
-                <p:oleObj spid="_x0000_s209974" name="Equation" r:id="rId5" imgW="1816100" imgH="546100" progId="Equation.DSMT4">
+                <p:oleObj spid="_x0000_s209979" name="Equation" r:id="rId5" imgW="1943100" imgH="495300" progId="Equation.DSMT4">
                   <p:embed/>
                 </p:oleObj>
               </mc:Choice>
               <mc:Fallback>
-                <p:oleObj name="Equation" r:id="rId5" imgW="1816100" imgH="546100" progId="Equation.DSMT4">
+                <p:oleObj name="Equation" r:id="rId5" imgW="1943100" imgH="495300" progId="Equation.DSMT4">
                   <p:embed/>
                   <p:pic>
                     <p:nvPicPr>
@@ -5386,8 +5371,8 @@
                     </p:blipFill>
                     <p:spPr bwMode="auto">
                       <a:xfrm>
-                        <a:off x="595313" y="1782763"/>
-                        <a:ext cx="7977187" cy="2397125"/>
+                        <a:off x="317500" y="1893888"/>
+                        <a:ext cx="8534400" cy="2173287"/>
                       </a:xfrm>
                       <a:prstGeom prst="rect">
                         <a:avLst/>
@@ -6176,22 +6161,28 @@
           <p:cNvGraphicFramePr>
             <a:graphicFrameLocks noChangeAspect="1"/>
           </p:cNvGraphicFramePr>
-          <p:nvPr/>
+          <p:nvPr>
+            <p:extLst>
+              <p:ext uri="{D42A27DB-BD31-4B8C-83A1-F6EECF244321}">
+                <p14:modId xmlns:p14="http://schemas.microsoft.com/office/powerpoint/2010/main" val="688828408"/>
+              </p:ext>
+            </p:extLst>
+          </p:nvPr>
         </p:nvGraphicFramePr>
         <p:xfrm>
-          <a:off x="812800" y="1023938"/>
-          <a:ext cx="7594600" cy="2187575"/>
+          <a:off x="1081088" y="1168400"/>
+          <a:ext cx="7058025" cy="1898650"/>
         </p:xfrm>
         <a:graphic>
           <a:graphicData uri="http://schemas.openxmlformats.org/presentationml/2006/ole">
             <mc:AlternateContent xmlns:mc="http://schemas.openxmlformats.org/markup-compatibility/2006">
               <mc:Choice xmlns:v="urn:schemas-microsoft-com:vml" Requires="v">
-                <p:oleObj spid="_x0000_s150650" name="Equation" r:id="rId5" imgW="2336800" imgH="673100" progId="Equation.DSMT4">
+                <p:oleObj spid="_x0000_s150661" name="Equation" r:id="rId5" imgW="2171700" imgH="584200" progId="Equation.DSMT4">
                   <p:embed/>
                 </p:oleObj>
               </mc:Choice>
               <mc:Fallback>
-                <p:oleObj name="Equation" r:id="rId5" imgW="2336800" imgH="673100" progId="Equation.DSMT4">
+                <p:oleObj name="Equation" r:id="rId5" imgW="2171700" imgH="584200" progId="Equation.DSMT4">
                   <p:embed/>
                   <p:pic>
                     <p:nvPicPr>
@@ -6202,13 +6193,7 @@
                       <p:nvPr/>
                     </p:nvPicPr>
                     <p:blipFill>
-                      <a:blip r:embed="rId6">
-                        <a:extLst>
-                          <a:ext uri="{28A0092B-C50C-407E-A947-70E740481C1C}">
-                            <a14:useLocalDpi xmlns:a14="http://schemas.microsoft.com/office/drawing/2010/main" val="0"/>
-                          </a:ext>
-                        </a:extLst>
-                      </a:blip>
+                      <a:blip r:embed="rId6"/>
                       <a:srcRect/>
                       <a:stretch>
                         <a:fillRect/>
@@ -6216,8 +6201,8 @@
                     </p:blipFill>
                     <p:spPr bwMode="auto">
                       <a:xfrm>
-                        <a:off x="812800" y="1023938"/>
-                        <a:ext cx="7594600" cy="2187575"/>
+                        <a:off x="1081088" y="1168400"/>
+                        <a:ext cx="7058025" cy="1898650"/>
                       </a:xfrm>
                       <a:prstGeom prst="rect">
                         <a:avLst/>
@@ -6246,22 +6231,28 @@
           <p:cNvGraphicFramePr>
             <a:graphicFrameLocks noChangeAspect="1"/>
           </p:cNvGraphicFramePr>
-          <p:nvPr/>
+          <p:nvPr>
+            <p:extLst>
+              <p:ext uri="{D42A27DB-BD31-4B8C-83A1-F6EECF244321}">
+                <p14:modId xmlns:p14="http://schemas.microsoft.com/office/powerpoint/2010/main" val="692302702"/>
+              </p:ext>
+            </p:extLst>
+          </p:nvPr>
         </p:nvGraphicFramePr>
         <p:xfrm>
-          <a:off x="439663" y="3036492"/>
-          <a:ext cx="8037513" cy="1814513"/>
+          <a:off x="822325" y="3157538"/>
+          <a:ext cx="7269163" cy="1573212"/>
         </p:xfrm>
         <a:graphic>
           <a:graphicData uri="http://schemas.openxmlformats.org/presentationml/2006/ole">
             <mc:AlternateContent xmlns:mc="http://schemas.openxmlformats.org/markup-compatibility/2006">
               <mc:Choice xmlns:v="urn:schemas-microsoft-com:vml" Requires="v">
-                <p:oleObj spid="_x0000_s150651" name="Equation" r:id="rId7" imgW="2527300" imgH="571500" progId="Equation.DSMT4">
+                <p:oleObj spid="_x0000_s150662" name="Equation" r:id="rId7" imgW="2286000" imgH="495300" progId="Equation.DSMT4">
                   <p:embed/>
                 </p:oleObj>
               </mc:Choice>
               <mc:Fallback>
-                <p:oleObj name="Equation" r:id="rId7" imgW="2527300" imgH="571500" progId="Equation.DSMT4">
+                <p:oleObj name="Equation" r:id="rId7" imgW="2286000" imgH="495300" progId="Equation.DSMT4">
                   <p:embed/>
                   <p:pic>
                     <p:nvPicPr>
@@ -6272,13 +6263,7 @@
                       <p:nvPr/>
                     </p:nvPicPr>
                     <p:blipFill>
-                      <a:blip r:embed="rId8">
-                        <a:extLst>
-                          <a:ext uri="{28A0092B-C50C-407E-A947-70E740481C1C}">
-                            <a14:useLocalDpi xmlns:a14="http://schemas.microsoft.com/office/drawing/2010/main" val="0"/>
-                          </a:ext>
-                        </a:extLst>
-                      </a:blip>
+                      <a:blip r:embed="rId8"/>
                       <a:srcRect/>
                       <a:stretch>
                         <a:fillRect/>
@@ -6286,8 +6271,8 @@
                     </p:blipFill>
                     <p:spPr bwMode="auto">
                       <a:xfrm>
-                        <a:off x="439663" y="3036492"/>
-                        <a:ext cx="8037513" cy="1814513"/>
+                        <a:off x="822325" y="3157538"/>
+                        <a:ext cx="7269163" cy="1573212"/>
                       </a:xfrm>
                       <a:prstGeom prst="rect">
                         <a:avLst/>
@@ -6326,7 +6311,7 @@
           <a:graphicData uri="http://schemas.openxmlformats.org/presentationml/2006/ole">
             <mc:AlternateContent xmlns:mc="http://schemas.openxmlformats.org/markup-compatibility/2006">
               <mc:Choice xmlns:v="urn:schemas-microsoft-com:vml" Requires="v">
-                <p:oleObj spid="_x0000_s150652" name="Equation" r:id="rId9" imgW="787320" imgH="444240" progId="Equation.DSMT4">
+                <p:oleObj spid="_x0000_s150663" name="Equation" r:id="rId9" imgW="787320" imgH="444240" progId="Equation.DSMT4">
                   <p:embed/>
                 </p:oleObj>
               </mc:Choice>
@@ -8062,7 +8047,15 @@
                 <a:cs typeface="Comic Sans MS"/>
                 <a:sym typeface="Symbol" pitchFamily="18" charset="2"/>
               </a:rPr>
-              <a:t> Then</a:t>
+              <a:t> </a:t>
+            </a:r>
+            <a:r>
+              <a:rPr lang="en-US" sz="3600" dirty="0" smtClean="0">
+                <a:latin typeface="Comic Sans MS"/>
+                <a:cs typeface="Comic Sans MS"/>
+                <a:sym typeface="Symbol" pitchFamily="18" charset="2"/>
+              </a:rPr>
+              <a:t>  Then</a:t>
             </a:r>
             <a:endParaRPr lang="en-US" sz="3600" dirty="0">
               <a:latin typeface="Comic Sans MS"/>
@@ -8081,25 +8074,25 @@
           <p:nvPr>
             <p:extLst>
               <p:ext uri="{D42A27DB-BD31-4B8C-83A1-F6EECF244321}">
-                <p14:modId xmlns:p14="http://schemas.microsoft.com/office/powerpoint/2010/main" val="3786193988"/>
+                <p14:modId xmlns:p14="http://schemas.microsoft.com/office/powerpoint/2010/main" val="1129287658"/>
               </p:ext>
             </p:extLst>
           </p:nvPr>
         </p:nvGraphicFramePr>
         <p:xfrm>
-          <a:off x="554038" y="3136900"/>
-          <a:ext cx="6084887" cy="1106488"/>
+          <a:off x="660400" y="3200400"/>
+          <a:ext cx="6127750" cy="979488"/>
         </p:xfrm>
         <a:graphic>
           <a:graphicData uri="http://schemas.openxmlformats.org/presentationml/2006/ole">
             <mc:AlternateContent xmlns:mc="http://schemas.openxmlformats.org/markup-compatibility/2006">
               <mc:Choice xmlns:v="urn:schemas-microsoft-com:vml" Requires="v">
-                <p:oleObj spid="_x0000_s154715" name="Equation" r:id="rId5" imgW="1816100" imgH="330200" progId="Equation.DSMT4">
+                <p:oleObj spid="_x0000_s154723" name="Equation" r:id="rId5" imgW="1828800" imgH="292100" progId="Equation.DSMT4">
                   <p:embed/>
                 </p:oleObj>
               </mc:Choice>
               <mc:Fallback>
-                <p:oleObj name="Equation" r:id="rId5" imgW="1816100" imgH="330200" progId="Equation.DSMT4">
+                <p:oleObj name="Equation" r:id="rId5" imgW="1828800" imgH="292100" progId="Equation.DSMT4">
                   <p:embed/>
                   <p:pic>
                     <p:nvPicPr>
@@ -8118,8 +8111,8 @@
                     </p:blipFill>
                     <p:spPr bwMode="auto">
                       <a:xfrm>
-                        <a:off x="554038" y="3136900"/>
-                        <a:ext cx="6084887" cy="1106488"/>
+                        <a:off x="660400" y="3200400"/>
+                        <a:ext cx="6127750" cy="979488"/>
                       </a:xfrm>
                       <a:prstGeom prst="rect">
                         <a:avLst/>
@@ -8148,22 +8141,28 @@
           <p:cNvGraphicFramePr>
             <a:graphicFrameLocks noChangeAspect="1"/>
           </p:cNvGraphicFramePr>
-          <p:nvPr/>
+          <p:nvPr>
+            <p:extLst>
+              <p:ext uri="{D42A27DB-BD31-4B8C-83A1-F6EECF244321}">
+                <p14:modId xmlns:p14="http://schemas.microsoft.com/office/powerpoint/2010/main" val="799257359"/>
+              </p:ext>
+            </p:extLst>
+          </p:nvPr>
         </p:nvGraphicFramePr>
         <p:xfrm>
-          <a:off x="987425" y="3879850"/>
-          <a:ext cx="7169150" cy="2493963"/>
+          <a:off x="747713" y="3879850"/>
+          <a:ext cx="7648575" cy="2493963"/>
         </p:xfrm>
         <a:graphic>
           <a:graphicData uri="http://schemas.openxmlformats.org/presentationml/2006/ole">
             <mc:AlternateContent xmlns:mc="http://schemas.openxmlformats.org/markup-compatibility/2006">
               <mc:Choice xmlns:v="urn:schemas-microsoft-com:vml" Requires="v">
-                <p:oleObj spid="_x0000_s154716" name="Equation" r:id="rId7" imgW="1714500" imgH="596900" progId="Equation.DSMT4">
+                <p:oleObj spid="_x0000_s154724" name="Equation" r:id="rId7" imgW="1828800" imgH="596900" progId="Equation.DSMT4">
                   <p:embed/>
                 </p:oleObj>
               </mc:Choice>
               <mc:Fallback>
-                <p:oleObj name="Equation" r:id="rId7" imgW="1714500" imgH="596900" progId="Equation.DSMT4">
+                <p:oleObj name="Equation" r:id="rId7" imgW="1828800" imgH="596900" progId="Equation.DSMT4">
                   <p:embed/>
                   <p:pic>
                     <p:nvPicPr>
@@ -8174,13 +8173,7 @@
                       <p:nvPr/>
                     </p:nvPicPr>
                     <p:blipFill>
-                      <a:blip r:embed="rId8">
-                        <a:extLst>
-                          <a:ext uri="{28A0092B-C50C-407E-A947-70E740481C1C}">
-                            <a14:useLocalDpi xmlns:a14="http://schemas.microsoft.com/office/drawing/2010/main" val="0"/>
-                          </a:ext>
-                        </a:extLst>
-                      </a:blip>
+                      <a:blip r:embed="rId8"/>
                       <a:srcRect/>
                       <a:stretch>
                         <a:fillRect/>
@@ -8188,8 +8181,8 @@
                     </p:blipFill>
                     <p:spPr bwMode="auto">
                       <a:xfrm>
-                        <a:off x="987425" y="3879850"/>
-                        <a:ext cx="7169150" cy="2493963"/>
+                        <a:off x="747713" y="3879850"/>
+                        <a:ext cx="7648575" cy="2493963"/>
                       </a:xfrm>
                       <a:prstGeom prst="rect">
                         <a:avLst/>

--- a/spring13/slides13/pairwisesample.pptx
+++ b/spring13/slides13/pairwisesample.pptx
@@ -6,26 +6,27 @@
     <p:sldMasterId id="2147483687" r:id="rId2"/>
   </p:sldMasterIdLst>
   <p:notesMasterIdLst>
-    <p:notesMasterId r:id="rId12"/>
+    <p:notesMasterId r:id="rId13"/>
   </p:notesMasterIdLst>
   <p:handoutMasterIdLst>
-    <p:handoutMasterId r:id="rId13"/>
+    <p:handoutMasterId r:id="rId14"/>
   </p:handoutMasterIdLst>
   <p:sldIdLst>
     <p:sldId id="849" r:id="rId3"/>
     <p:sldId id="822" r:id="rId4"/>
-    <p:sldId id="809" r:id="rId5"/>
-    <p:sldId id="824" r:id="rId6"/>
-    <p:sldId id="850" r:id="rId7"/>
-    <p:sldId id="811" r:id="rId8"/>
-    <p:sldId id="812" r:id="rId9"/>
-    <p:sldId id="813" r:id="rId10"/>
-    <p:sldId id="814" r:id="rId11"/>
+    <p:sldId id="851" r:id="rId5"/>
+    <p:sldId id="809" r:id="rId6"/>
+    <p:sldId id="824" r:id="rId7"/>
+    <p:sldId id="850" r:id="rId8"/>
+    <p:sldId id="811" r:id="rId9"/>
+    <p:sldId id="812" r:id="rId10"/>
+    <p:sldId id="813" r:id="rId11"/>
+    <p:sldId id="814" r:id="rId12"/>
   </p:sldIdLst>
   <p:sldSz cx="9144000" cy="6858000" type="screen4x3"/>
   <p:notesSz cx="9601200" cy="7315200"/>
   <p:custDataLst>
-    <p:tags r:id="rId15"/>
+    <p:tags r:id="rId16"/>
   </p:custDataLst>
   <p:defaultTextStyle>
     <a:defPPr>
@@ -985,6 +986,90 @@
 </p:notes>
 </file>
 
+<file path=ppt/notesSlides/notesSlide10.xml><?xml version="1.0" encoding="utf-8"?>
+<p:notes xmlns:a="http://schemas.openxmlformats.org/drawingml/2006/main" xmlns:r="http://schemas.openxmlformats.org/officeDocument/2006/relationships" xmlns:p="http://schemas.openxmlformats.org/presentationml/2006/main">
+  <p:cSld>
+    <p:spTree>
+      <p:nvGrpSpPr>
+        <p:cNvPr id="1" name=""/>
+        <p:cNvGrpSpPr/>
+        <p:nvPr/>
+      </p:nvGrpSpPr>
+      <p:grpSpPr>
+        <a:xfrm>
+          <a:off x="0" y="0"/>
+          <a:ext cx="0" cy="0"/>
+          <a:chOff x="0" y="0"/>
+          <a:chExt cx="0" cy="0"/>
+        </a:xfrm>
+      </p:grpSpPr>
+      <p:sp>
+        <p:nvSpPr>
+          <p:cNvPr id="7" name="Rectangle 7"/>
+          <p:cNvSpPr>
+            <a:spLocks noGrp="1" noChangeArrowheads="1"/>
+          </p:cNvSpPr>
+          <p:nvPr>
+            <p:ph type="sldNum" sz="quarter" idx="5"/>
+          </p:nvPr>
+        </p:nvSpPr>
+        <p:spPr>
+          <a:ln/>
+        </p:spPr>
+        <p:txBody>
+          <a:bodyPr/>
+          <a:lstStyle/>
+          <a:p>
+            <a:fld id="{080590DD-9A9F-43DC-A51D-BBD25710B0F4}" type="slidenum">
+              <a:rPr lang="en-US"/>
+              <a:pPr/>
+              <a:t>10</a:t>
+            </a:fld>
+            <a:endParaRPr lang="en-US"/>
+          </a:p>
+        </p:txBody>
+      </p:sp>
+      <p:sp>
+        <p:nvSpPr>
+          <p:cNvPr id="115714" name="Rectangle 2"/>
+          <p:cNvSpPr>
+            <a:spLocks noGrp="1" noRot="1" noChangeAspect="1" noChangeArrowheads="1" noTextEdit="1"/>
+          </p:cNvSpPr>
+          <p:nvPr>
+            <p:ph type="sldImg"/>
+          </p:nvPr>
+        </p:nvSpPr>
+        <p:spPr>
+          <a:ln/>
+        </p:spPr>
+      </p:sp>
+      <p:sp>
+        <p:nvSpPr>
+          <p:cNvPr id="115715" name="Rectangle 3"/>
+          <p:cNvSpPr>
+            <a:spLocks noGrp="1" noChangeArrowheads="1"/>
+          </p:cNvSpPr>
+          <p:nvPr>
+            <p:ph type="body" idx="1"/>
+          </p:nvPr>
+        </p:nvSpPr>
+        <p:spPr/>
+        <p:txBody>
+          <a:bodyPr/>
+          <a:lstStyle/>
+          <a:p>
+            <a:endParaRPr lang="en-US"/>
+          </a:p>
+        </p:txBody>
+      </p:sp>
+    </p:spTree>
+  </p:cSld>
+  <p:clrMapOvr>
+    <a:masterClrMapping/>
+  </p:clrMapOvr>
+</p:notes>
+</file>
+
 <file path=ppt/notesSlides/notesSlide2.xml><?xml version="1.0" encoding="utf-8"?>
 <p:notes xmlns:a="http://schemas.openxmlformats.org/drawingml/2006/main" xmlns:r="http://schemas.openxmlformats.org/officeDocument/2006/relationships" xmlns:p="http://schemas.openxmlformats.org/presentationml/2006/main">
   <p:cSld>
@@ -1107,10 +1192,98 @@
           <a:bodyPr/>
           <a:lstStyle/>
           <a:p>
+            <a:fld id="{CE4F1C5E-EC10-4AA2-BE05-3FAD1A6DEC47}" type="slidenum">
+              <a:rPr lang="en-US"/>
+              <a:pPr/>
+              <a:t>3</a:t>
+            </a:fld>
+            <a:endParaRPr lang="en-US"/>
+          </a:p>
+        </p:txBody>
+      </p:sp>
+      <p:sp>
+        <p:nvSpPr>
+          <p:cNvPr id="87042" name="Rectangle 2"/>
+          <p:cNvSpPr>
+            <a:spLocks noGrp="1" noRot="1" noChangeAspect="1" noChangeArrowheads="1" noTextEdit="1"/>
+          </p:cNvSpPr>
+          <p:nvPr>
+            <p:ph type="sldImg"/>
+          </p:nvPr>
+        </p:nvSpPr>
+        <p:spPr>
+          <a:xfrm>
+            <a:off x="2974975" y="549275"/>
+            <a:ext cx="3657600" cy="2743200"/>
+          </a:xfrm>
+          <a:ln/>
+        </p:spPr>
+      </p:sp>
+      <p:sp>
+        <p:nvSpPr>
+          <p:cNvPr id="87043" name="Rectangle 3"/>
+          <p:cNvSpPr>
+            <a:spLocks noGrp="1" noChangeArrowheads="1"/>
+          </p:cNvSpPr>
+          <p:nvPr>
+            <p:ph type="body" idx="1"/>
+          </p:nvPr>
+        </p:nvSpPr>
+        <p:spPr/>
+        <p:txBody>
+          <a:bodyPr/>
+          <a:lstStyle/>
+          <a:p>
+            <a:endParaRPr lang="en-US"/>
+          </a:p>
+        </p:txBody>
+      </p:sp>
+    </p:spTree>
+  </p:cSld>
+  <p:clrMapOvr>
+    <a:masterClrMapping/>
+  </p:clrMapOvr>
+</p:notes>
+</file>
+
+<file path=ppt/notesSlides/notesSlide4.xml><?xml version="1.0" encoding="utf-8"?>
+<p:notes xmlns:a="http://schemas.openxmlformats.org/drawingml/2006/main" xmlns:r="http://schemas.openxmlformats.org/officeDocument/2006/relationships" xmlns:p="http://schemas.openxmlformats.org/presentationml/2006/main">
+  <p:cSld>
+    <p:spTree>
+      <p:nvGrpSpPr>
+        <p:cNvPr id="1" name=""/>
+        <p:cNvGrpSpPr/>
+        <p:nvPr/>
+      </p:nvGrpSpPr>
+      <p:grpSpPr>
+        <a:xfrm>
+          <a:off x="0" y="0"/>
+          <a:ext cx="0" cy="0"/>
+          <a:chOff x="0" y="0"/>
+          <a:chExt cx="0" cy="0"/>
+        </a:xfrm>
+      </p:grpSpPr>
+      <p:sp>
+        <p:nvSpPr>
+          <p:cNvPr id="7" name="Rectangle 7"/>
+          <p:cNvSpPr>
+            <a:spLocks noGrp="1" noChangeArrowheads="1"/>
+          </p:cNvSpPr>
+          <p:nvPr>
+            <p:ph type="sldNum" sz="quarter" idx="5"/>
+          </p:nvPr>
+        </p:nvSpPr>
+        <p:spPr>
+          <a:ln/>
+        </p:spPr>
+        <p:txBody>
+          <a:bodyPr/>
+          <a:lstStyle/>
+          <a:p>
             <a:fld id="{0E24CED3-D070-4199-ABB1-A97C5A2E2D69}" type="slidenum">
               <a:rPr lang="en-US"/>
               <a:pPr/>
-              <a:t>3</a:t>
+              <a:t>4</a:t>
             </a:fld>
             <a:endParaRPr lang="en-US"/>
           </a:p>
@@ -1161,7 +1334,7 @@
 </p:notes>
 </file>
 
-<file path=ppt/notesSlides/notesSlide4.xml><?xml version="1.0" encoding="utf-8"?>
+<file path=ppt/notesSlides/notesSlide5.xml><?xml version="1.0" encoding="utf-8"?>
 <p:notes xmlns:a="http://schemas.openxmlformats.org/drawingml/2006/main" xmlns:r="http://schemas.openxmlformats.org/officeDocument/2006/relationships" xmlns:p="http://schemas.openxmlformats.org/presentationml/2006/main">
   <p:cSld>
     <p:spTree>
@@ -1232,7 +1405,7 @@
               <a:pPr>
                 <a:defRPr/>
               </a:pPr>
-              <a:t>4</a:t>
+              <a:t>5</a:t>
             </a:fld>
             <a:endParaRPr lang="en-US"/>
           </a:p>
@@ -1251,7 +1424,7 @@
 </p:notes>
 </file>
 
-<file path=ppt/notesSlides/notesSlide5.xml><?xml version="1.0" encoding="utf-8"?>
+<file path=ppt/notesSlides/notesSlide6.xml><?xml version="1.0" encoding="utf-8"?>
 <p:notes xmlns:a="http://schemas.openxmlformats.org/drawingml/2006/main" xmlns:r="http://schemas.openxmlformats.org/officeDocument/2006/relationships" xmlns:p="http://schemas.openxmlformats.org/presentationml/2006/main">
   <p:cSld>
     <p:spTree>
@@ -1288,7 +1461,7 @@
             <a:fld id="{E13B69C8-7D9E-455E-870F-C9359D47CA0D}" type="slidenum">
               <a:rPr lang="en-US"/>
               <a:pPr/>
-              <a:t>5</a:t>
+              <a:t>6</a:t>
             </a:fld>
             <a:endParaRPr lang="en-US"/>
           </a:p>
@@ -1328,7 +1501,7 @@
                 <a:latin typeface="Arial" pitchFamily="34" charset="0"/>
               </a:rPr>
               <a:pPr algn="r" defTabSz="966775"/>
-              <a:t>5</a:t>
+              <a:t>6</a:t>
             </a:fld>
             <a:endParaRPr lang="en-US" sz="1300" dirty="0">
               <a:latin typeface="Arial" pitchFamily="34" charset="0"/>
@@ -1400,94 +1573,6 @@
               <a:t>Its less than some value, and that value is determined by the variance</a:t>
             </a:r>
           </a:p>
-          <a:p>
-            <a:endParaRPr lang="en-US"/>
-          </a:p>
-        </p:txBody>
-      </p:sp>
-    </p:spTree>
-  </p:cSld>
-  <p:clrMapOvr>
-    <a:masterClrMapping/>
-  </p:clrMapOvr>
-</p:notes>
-</file>
-
-<file path=ppt/notesSlides/notesSlide6.xml><?xml version="1.0" encoding="utf-8"?>
-<p:notes xmlns:a="http://schemas.openxmlformats.org/drawingml/2006/main" xmlns:r="http://schemas.openxmlformats.org/officeDocument/2006/relationships" xmlns:p="http://schemas.openxmlformats.org/presentationml/2006/main">
-  <p:cSld>
-    <p:spTree>
-      <p:nvGrpSpPr>
-        <p:cNvPr id="1" name=""/>
-        <p:cNvGrpSpPr/>
-        <p:nvPr/>
-      </p:nvGrpSpPr>
-      <p:grpSpPr>
-        <a:xfrm>
-          <a:off x="0" y="0"/>
-          <a:ext cx="0" cy="0"/>
-          <a:chOff x="0" y="0"/>
-          <a:chExt cx="0" cy="0"/>
-        </a:xfrm>
-      </p:grpSpPr>
-      <p:sp>
-        <p:nvSpPr>
-          <p:cNvPr id="7" name="Rectangle 7"/>
-          <p:cNvSpPr>
-            <a:spLocks noGrp="1" noChangeArrowheads="1"/>
-          </p:cNvSpPr>
-          <p:nvPr>
-            <p:ph type="sldNum" sz="quarter" idx="5"/>
-          </p:nvPr>
-        </p:nvSpPr>
-        <p:spPr>
-          <a:ln/>
-        </p:spPr>
-        <p:txBody>
-          <a:bodyPr/>
-          <a:lstStyle/>
-          <a:p>
-            <a:fld id="{C45876ED-D830-4BAD-BF23-D8FB18E18E74}" type="slidenum">
-              <a:rPr lang="en-US"/>
-              <a:pPr/>
-              <a:t>6</a:t>
-            </a:fld>
-            <a:endParaRPr lang="en-US"/>
-          </a:p>
-        </p:txBody>
-      </p:sp>
-      <p:sp>
-        <p:nvSpPr>
-          <p:cNvPr id="48130" name="Rectangle 2"/>
-          <p:cNvSpPr>
-            <a:spLocks noGrp="1" noRot="1" noChangeAspect="1" noChangeArrowheads="1" noTextEdit="1"/>
-          </p:cNvSpPr>
-          <p:nvPr>
-            <p:ph type="sldImg"/>
-          </p:nvPr>
-        </p:nvSpPr>
-        <p:spPr>
-          <a:xfrm>
-            <a:off x="2974975" y="549275"/>
-            <a:ext cx="3657600" cy="2743200"/>
-          </a:xfrm>
-          <a:ln/>
-        </p:spPr>
-      </p:sp>
-      <p:sp>
-        <p:nvSpPr>
-          <p:cNvPr id="48131" name="Rectangle 3"/>
-          <p:cNvSpPr>
-            <a:spLocks noGrp="1" noChangeArrowheads="1"/>
-          </p:cNvSpPr>
-          <p:nvPr>
-            <p:ph type="body" idx="1"/>
-          </p:nvPr>
-        </p:nvSpPr>
-        <p:spPr/>
-        <p:txBody>
-          <a:bodyPr/>
-          <a:lstStyle/>
           <a:p>
             <a:endParaRPr lang="en-US"/>
           </a:p>
@@ -1535,7 +1620,7 @@
           <a:bodyPr/>
           <a:lstStyle/>
           <a:p>
-            <a:fld id="{C459CE23-AC74-4612-9505-5863346853AC}" type="slidenum">
+            <a:fld id="{C45876ED-D830-4BAD-BF23-D8FB18E18E74}" type="slidenum">
               <a:rPr lang="en-US"/>
               <a:pPr/>
               <a:t>7</a:t>
@@ -1546,7 +1631,7 @@
       </p:sp>
       <p:sp>
         <p:nvSpPr>
-          <p:cNvPr id="113666" name="Rectangle 2"/>
+          <p:cNvPr id="48130" name="Rectangle 2"/>
           <p:cNvSpPr>
             <a:spLocks noGrp="1" noRot="1" noChangeAspect="1" noChangeArrowheads="1" noTextEdit="1"/>
           </p:cNvSpPr>
@@ -1555,12 +1640,16 @@
           </p:nvPr>
         </p:nvSpPr>
         <p:spPr>
+          <a:xfrm>
+            <a:off x="2974975" y="549275"/>
+            <a:ext cx="3657600" cy="2743200"/>
+          </a:xfrm>
           <a:ln/>
         </p:spPr>
       </p:sp>
       <p:sp>
         <p:nvSpPr>
-          <p:cNvPr id="113667" name="Rectangle 3"/>
+          <p:cNvPr id="48131" name="Rectangle 3"/>
           <p:cNvSpPr>
             <a:spLocks noGrp="1" noChangeArrowheads="1"/>
           </p:cNvSpPr>
@@ -1619,7 +1708,7 @@
           <a:bodyPr/>
           <a:lstStyle/>
           <a:p>
-            <a:fld id="{58D02412-0501-4BDD-893A-9335BF29F723}" type="slidenum">
+            <a:fld id="{C459CE23-AC74-4612-9505-5863346853AC}" type="slidenum">
               <a:rPr lang="en-US"/>
               <a:pPr/>
               <a:t>8</a:t>
@@ -1630,7 +1719,7 @@
       </p:sp>
       <p:sp>
         <p:nvSpPr>
-          <p:cNvPr id="114690" name="Rectangle 2"/>
+          <p:cNvPr id="113666" name="Rectangle 2"/>
           <p:cNvSpPr>
             <a:spLocks noGrp="1" noRot="1" noChangeAspect="1" noChangeArrowheads="1" noTextEdit="1"/>
           </p:cNvSpPr>
@@ -1644,7 +1733,7 @@
       </p:sp>
       <p:sp>
         <p:nvSpPr>
-          <p:cNvPr id="114691" name="Rectangle 3"/>
+          <p:cNvPr id="113667" name="Rectangle 3"/>
           <p:cNvSpPr>
             <a:spLocks noGrp="1" noChangeArrowheads="1"/>
           </p:cNvSpPr>
@@ -1703,7 +1792,7 @@
           <a:bodyPr/>
           <a:lstStyle/>
           <a:p>
-            <a:fld id="{080590DD-9A9F-43DC-A51D-BBD25710B0F4}" type="slidenum">
+            <a:fld id="{58D02412-0501-4BDD-893A-9335BF29F723}" type="slidenum">
               <a:rPr lang="en-US"/>
               <a:pPr/>
               <a:t>9</a:t>
@@ -1714,7 +1803,7 @@
       </p:sp>
       <p:sp>
         <p:nvSpPr>
-          <p:cNvPr id="115714" name="Rectangle 2"/>
+          <p:cNvPr id="114690" name="Rectangle 2"/>
           <p:cNvSpPr>
             <a:spLocks noGrp="1" noRot="1" noChangeAspect="1" noChangeArrowheads="1" noTextEdit="1"/>
           </p:cNvSpPr>
@@ -1728,7 +1817,7 @@
       </p:sp>
       <p:sp>
         <p:nvSpPr>
-          <p:cNvPr id="115715" name="Rectangle 3"/>
+          <p:cNvPr id="114691" name="Rectangle 3"/>
           <p:cNvSpPr>
             <a:spLocks noGrp="1" noChangeArrowheads="1"/>
           </p:cNvSpPr>
@@ -3946,6 +4035,742 @@
 </p:sld>
 </file>
 
+<file path=ppt/slides/slide10.xml><?xml version="1.0" encoding="utf-8"?>
+<p:sld xmlns:a="http://schemas.openxmlformats.org/drawingml/2006/main" xmlns:r="http://schemas.openxmlformats.org/officeDocument/2006/relationships" xmlns:p="http://schemas.openxmlformats.org/presentationml/2006/main">
+  <p:cSld>
+    <p:spTree>
+      <p:nvGrpSpPr>
+        <p:cNvPr id="1" name=""/>
+        <p:cNvGrpSpPr/>
+        <p:nvPr/>
+      </p:nvGrpSpPr>
+      <p:grpSpPr>
+        <a:xfrm>
+          <a:off x="0" y="0"/>
+          <a:ext cx="0" cy="0"/>
+          <a:chOff x="0" y="0"/>
+          <a:chExt cx="0" cy="0"/>
+        </a:xfrm>
+      </p:grpSpPr>
+      <p:sp>
+        <p:nvSpPr>
+          <p:cNvPr id="112642" name="Rectangle 2"/>
+          <p:cNvSpPr>
+            <a:spLocks noGrp="1" noChangeArrowheads="1"/>
+          </p:cNvSpPr>
+          <p:nvPr>
+            <p:ph type="title"/>
+          </p:nvPr>
+        </p:nvSpPr>
+        <p:spPr>
+          <a:xfrm>
+            <a:off x="1295400" y="228600"/>
+            <a:ext cx="7672388" cy="882650"/>
+          </a:xfrm>
+        </p:spPr>
+        <p:txBody>
+          <a:bodyPr/>
+          <a:lstStyle/>
+          <a:p>
+            <a:r>
+              <a:rPr lang="en-US">
+                <a:latin typeface="Comic Sans MS"/>
+                <a:cs typeface="Comic Sans MS"/>
+              </a:rPr>
+              <a:t>Pairwise Independent Sampling</a:t>
+            </a:r>
+          </a:p>
+        </p:txBody>
+      </p:sp>
+      <p:sp>
+        <p:nvSpPr>
+          <p:cNvPr id="112647" name="Text Box 7"/>
+          <p:cNvSpPr txBox="1">
+            <a:spLocks noChangeArrowheads="1"/>
+          </p:cNvSpPr>
+          <p:nvPr/>
+        </p:nvSpPr>
+        <p:spPr bwMode="auto">
+          <a:xfrm>
+            <a:off x="308900" y="1075540"/>
+            <a:ext cx="8318504" cy="3785652"/>
+          </a:xfrm>
+          <a:prstGeom prst="rect">
+            <a:avLst/>
+          </a:prstGeom>
+          <a:noFill/>
+          <a:ln w="28575">
+            <a:noFill/>
+            <a:miter lim="800000"/>
+            <a:headEnd/>
+            <a:tailEnd/>
+          </a:ln>
+          <a:effectLst/>
+        </p:spPr>
+        <p:txBody>
+          <a:bodyPr wrap="square">
+            <a:spAutoFit/>
+          </a:bodyPr>
+          <a:lstStyle/>
+          <a:p>
+            <a:r>
+              <a:rPr lang="en-US" sz="4000" dirty="0">
+                <a:solidFill>
+                  <a:srgbClr val="7030A0"/>
+                </a:solidFill>
+                <a:latin typeface="Comic Sans MS"/>
+                <a:cs typeface="Comic Sans MS"/>
+              </a:rPr>
+              <a:t>The </a:t>
+            </a:r>
+            <a:r>
+              <a:rPr lang="en-US" sz="4000" dirty="0" err="1">
+                <a:solidFill>
+                  <a:srgbClr val="7030A0"/>
+                </a:solidFill>
+                <a:latin typeface="Comic Sans MS"/>
+                <a:cs typeface="Comic Sans MS"/>
+              </a:rPr>
+              <a:t>punchline</a:t>
+            </a:r>
+            <a:r>
+              <a:rPr lang="en-US" sz="4000" dirty="0">
+                <a:solidFill>
+                  <a:srgbClr val="7030A0"/>
+                </a:solidFill>
+                <a:latin typeface="Comic Sans MS"/>
+                <a:cs typeface="Comic Sans MS"/>
+              </a:rPr>
+              <a:t>:</a:t>
+            </a:r>
+          </a:p>
+          <a:p>
+            <a:r>
+              <a:rPr lang="en-US" sz="4000" dirty="0">
+                <a:latin typeface="Comic Sans MS"/>
+                <a:cs typeface="Comic Sans MS"/>
+              </a:rPr>
+              <a:t>we now know how big a sample is</a:t>
+            </a:r>
+          </a:p>
+          <a:p>
+            <a:r>
+              <a:rPr lang="en-US" sz="4000" dirty="0">
+                <a:latin typeface="Comic Sans MS"/>
+                <a:cs typeface="Comic Sans MS"/>
+              </a:rPr>
+              <a:t>needed to estimate the mean of</a:t>
+            </a:r>
+          </a:p>
+          <a:p>
+            <a:r>
+              <a:rPr lang="en-US" sz="4000" dirty="0">
+                <a:latin typeface="Comic Sans MS"/>
+                <a:cs typeface="Comic Sans MS"/>
+              </a:rPr>
+              <a:t>any* random </a:t>
+            </a:r>
+            <a:r>
+              <a:rPr lang="en-US" dirty="0" smtClean="0">
+                <a:latin typeface="Comic Sans MS"/>
+                <a:cs typeface="Comic Sans MS"/>
+              </a:rPr>
+              <a:t>variable within</a:t>
+            </a:r>
+          </a:p>
+          <a:p>
+            <a:r>
+              <a:rPr lang="en-US" dirty="0" smtClean="0">
+                <a:latin typeface="Comic Sans MS"/>
+                <a:cs typeface="Comic Sans MS"/>
+              </a:rPr>
+              <a:t>any* desired tolerance with</a:t>
+            </a:r>
+            <a:endParaRPr lang="en-US" sz="4000" dirty="0" smtClean="0">
+              <a:latin typeface="Comic Sans MS"/>
+              <a:cs typeface="Comic Sans MS"/>
+            </a:endParaRPr>
+          </a:p>
+          <a:p>
+            <a:r>
+              <a:rPr lang="en-US" dirty="0" smtClean="0">
+                <a:latin typeface="Comic Sans MS"/>
+                <a:cs typeface="Comic Sans MS"/>
+              </a:rPr>
+              <a:t>any* desired probability</a:t>
+            </a:r>
+          </a:p>
+        </p:txBody>
+      </p:sp>
+      <p:sp>
+        <p:nvSpPr>
+          <p:cNvPr id="112648" name="Text Box 8"/>
+          <p:cNvSpPr txBox="1">
+            <a:spLocks noChangeArrowheads="1"/>
+          </p:cNvSpPr>
+          <p:nvPr/>
+        </p:nvSpPr>
+        <p:spPr bwMode="auto">
+          <a:xfrm>
+            <a:off x="440200" y="4690889"/>
+            <a:ext cx="8012669" cy="1446550"/>
+          </a:xfrm>
+          <a:prstGeom prst="rect">
+            <a:avLst/>
+          </a:prstGeom>
+          <a:noFill/>
+          <a:ln w="28575">
+            <a:noFill/>
+            <a:miter lim="800000"/>
+            <a:headEnd/>
+            <a:tailEnd/>
+          </a:ln>
+          <a:effectLst/>
+        </p:spPr>
+        <p:txBody>
+          <a:bodyPr wrap="square">
+            <a:spAutoFit/>
+          </a:bodyPr>
+          <a:lstStyle/>
+          <a:p>
+            <a:r>
+              <a:rPr lang="en-US" sz="4000" dirty="0" smtClean="0">
+                <a:latin typeface="Comic Sans MS"/>
+                <a:cs typeface="Comic Sans MS"/>
+              </a:rPr>
+              <a:t>*</a:t>
+            </a:r>
+            <a:r>
+              <a:rPr lang="en-US" sz="4000" dirty="0" smtClean="0">
+                <a:solidFill>
+                  <a:srgbClr val="008000"/>
+                </a:solidFill>
+                <a:latin typeface="Comic Sans MS"/>
+                <a:cs typeface="Comic Sans MS"/>
+              </a:rPr>
+              <a:t>variance </a:t>
+            </a:r>
+            <a:r>
+              <a:rPr lang="en-US" sz="4000" b="1" dirty="0" smtClean="0">
+                <a:solidFill>
+                  <a:srgbClr val="008000"/>
+                </a:solidFill>
+                <a:latin typeface="Euclid Symbol" charset="2"/>
+                <a:cs typeface="Euclid Symbol" charset="2"/>
+              </a:rPr>
+              <a:t>&lt; </a:t>
+            </a:r>
+            <a:r>
+              <a:rPr lang="en-US" sz="4800" b="1" dirty="0" smtClean="0">
+                <a:solidFill>
+                  <a:srgbClr val="007600"/>
+                </a:solidFill>
+                <a:latin typeface="Euclid Symbol" charset="2"/>
+                <a:cs typeface="Euclid Symbol" charset="2"/>
+                <a:sym typeface="Euclid Symbol" pitchFamily="18" charset="2"/>
+              </a:rPr>
+              <a:t>∞</a:t>
+            </a:r>
+            <a:r>
+              <a:rPr lang="en-US" sz="4000" dirty="0" smtClean="0">
+                <a:solidFill>
+                  <a:srgbClr val="008000"/>
+                </a:solidFill>
+                <a:latin typeface="Comic Sans MS"/>
+                <a:cs typeface="Comic Sans MS"/>
+              </a:rPr>
+              <a:t>, </a:t>
+            </a:r>
+            <a:r>
+              <a:rPr lang="en-US" sz="4000" dirty="0">
+                <a:solidFill>
+                  <a:srgbClr val="008000"/>
+                </a:solidFill>
+                <a:latin typeface="Comic Sans MS"/>
+                <a:cs typeface="Comic Sans MS"/>
+              </a:rPr>
+              <a:t>tolerance </a:t>
+            </a:r>
+            <a:r>
+              <a:rPr lang="en-US" sz="4000" b="1" dirty="0">
+                <a:solidFill>
+                  <a:srgbClr val="008000"/>
+                </a:solidFill>
+                <a:latin typeface="Euclid Symbol" charset="2"/>
+                <a:cs typeface="Euclid Symbol" charset="2"/>
+              </a:rPr>
+              <a:t>&gt;</a:t>
+            </a:r>
+            <a:r>
+              <a:rPr lang="en-US" sz="4000" dirty="0">
+                <a:solidFill>
+                  <a:srgbClr val="008000"/>
+                </a:solidFill>
+                <a:latin typeface="Comic Sans MS"/>
+                <a:cs typeface="Comic Sans MS"/>
+              </a:rPr>
+              <a:t> 0,</a:t>
+            </a:r>
+          </a:p>
+          <a:p>
+            <a:r>
+              <a:rPr lang="en-US" sz="4000" dirty="0">
+                <a:solidFill>
+                  <a:srgbClr val="008000"/>
+                </a:solidFill>
+                <a:latin typeface="Comic Sans MS"/>
+                <a:cs typeface="Comic Sans MS"/>
+              </a:rPr>
+              <a:t> </a:t>
+            </a:r>
+            <a:r>
+              <a:rPr lang="en-US" sz="4000" dirty="0" smtClean="0">
+                <a:solidFill>
+                  <a:srgbClr val="008000"/>
+                </a:solidFill>
+                <a:latin typeface="Comic Sans MS"/>
+                <a:cs typeface="Comic Sans MS"/>
+              </a:rPr>
+              <a:t> </a:t>
+            </a:r>
+            <a:r>
+              <a:rPr lang="en-US" dirty="0" smtClean="0">
+                <a:solidFill>
+                  <a:srgbClr val="008000"/>
+                </a:solidFill>
+                <a:latin typeface="Comic Sans MS"/>
+                <a:cs typeface="Comic Sans MS"/>
+              </a:rPr>
+              <a:t>probability</a:t>
+            </a:r>
+            <a:r>
+              <a:rPr lang="en-US" sz="4000" dirty="0" smtClean="0">
+                <a:solidFill>
+                  <a:srgbClr val="008000"/>
+                </a:solidFill>
+                <a:latin typeface="Comic Sans MS"/>
+                <a:cs typeface="Comic Sans MS"/>
+              </a:rPr>
+              <a:t> </a:t>
+            </a:r>
+            <a:r>
+              <a:rPr lang="en-US" sz="4000" b="1" dirty="0" smtClean="0">
+                <a:solidFill>
+                  <a:srgbClr val="008000"/>
+                </a:solidFill>
+                <a:latin typeface="Euclid Symbol" charset="2"/>
+                <a:cs typeface="Euclid Symbol" charset="2"/>
+              </a:rPr>
+              <a:t>&lt;</a:t>
+            </a:r>
+            <a:r>
+              <a:rPr lang="en-US" sz="4000" dirty="0" smtClean="0">
+                <a:solidFill>
+                  <a:srgbClr val="008000"/>
+                </a:solidFill>
+                <a:latin typeface="Comic Sans MS"/>
+                <a:cs typeface="Comic Sans MS"/>
+              </a:rPr>
+              <a:t> 1</a:t>
+            </a:r>
+            <a:endParaRPr lang="en-US" sz="4000" dirty="0">
+              <a:solidFill>
+                <a:srgbClr val="008000"/>
+              </a:solidFill>
+              <a:latin typeface="Comic Sans MS"/>
+              <a:cs typeface="Comic Sans MS"/>
+            </a:endParaRPr>
+          </a:p>
+        </p:txBody>
+      </p:sp>
+    </p:spTree>
+    <p:custDataLst>
+      <p:tags r:id="rId1"/>
+    </p:custDataLst>
+  </p:cSld>
+  <p:clrMapOvr>
+    <a:masterClrMapping/>
+  </p:clrMapOvr>
+  <p:transition xmlns:p14="http://schemas.microsoft.com/office/powerpoint/2010/main" spd="slow" advClick="0">
+    <p:fade thruBlk="1"/>
+  </p:transition>
+  <p:timing>
+    <p:tnLst>
+      <p:par>
+        <p:cTn xmlns:p14="http://schemas.microsoft.com/office/powerpoint/2010/main" id="1" dur="indefinite" restart="never" nodeType="tmRoot">
+          <p:childTnLst>
+            <p:seq concurrent="1" nextAc="seek">
+              <p:cTn id="2" dur="indefinite" nodeType="mainSeq">
+                <p:childTnLst>
+                  <p:par>
+                    <p:cTn id="3" fill="hold">
+                      <p:stCondLst>
+                        <p:cond delay="indefinite"/>
+                      </p:stCondLst>
+                      <p:childTnLst>
+                        <p:par>
+                          <p:cTn id="4" fill="hold">
+                            <p:stCondLst>
+                              <p:cond delay="0"/>
+                            </p:stCondLst>
+                            <p:childTnLst>
+                              <p:par>
+                                <p:cTn id="5" presetID="10" presetClass="entr" presetSubtype="0" fill="hold" grpId="0" nodeType="clickEffect">
+                                  <p:stCondLst>
+                                    <p:cond delay="0"/>
+                                  </p:stCondLst>
+                                  <p:childTnLst>
+                                    <p:set>
+                                      <p:cBhvr>
+                                        <p:cTn id="6" dur="1" fill="hold">
+                                          <p:stCondLst>
+                                            <p:cond delay="0"/>
+                                          </p:stCondLst>
+                                        </p:cTn>
+                                        <p:tgtEl>
+                                          <p:spTgt spid="112647">
+                                            <p:txEl>
+                                              <p:pRg st="1" end="1"/>
+                                            </p:txEl>
+                                          </p:spTgt>
+                                        </p:tgtEl>
+                                        <p:attrNameLst>
+                                          <p:attrName>style.visibility</p:attrName>
+                                        </p:attrNameLst>
+                                      </p:cBhvr>
+                                      <p:to>
+                                        <p:strVal val="visible"/>
+                                      </p:to>
+                                    </p:set>
+                                    <p:animEffect transition="in" filter="fade">
+                                      <p:cBhvr>
+                                        <p:cTn id="7" dur="500"/>
+                                        <p:tgtEl>
+                                          <p:spTgt spid="112647">
+                                            <p:txEl>
+                                              <p:pRg st="1" end="1"/>
+                                            </p:txEl>
+                                          </p:spTgt>
+                                        </p:tgtEl>
+                                      </p:cBhvr>
+                                    </p:animEffect>
+                                  </p:childTnLst>
+                                </p:cTn>
+                              </p:par>
+                              <p:par>
+                                <p:cTn id="8" presetID="10" presetClass="entr" presetSubtype="0" fill="hold" grpId="0" nodeType="withEffect">
+                                  <p:stCondLst>
+                                    <p:cond delay="0"/>
+                                  </p:stCondLst>
+                                  <p:childTnLst>
+                                    <p:set>
+                                      <p:cBhvr>
+                                        <p:cTn id="9" dur="1" fill="hold">
+                                          <p:stCondLst>
+                                            <p:cond delay="0"/>
+                                          </p:stCondLst>
+                                        </p:cTn>
+                                        <p:tgtEl>
+                                          <p:spTgt spid="112647">
+                                            <p:txEl>
+                                              <p:pRg st="2" end="2"/>
+                                            </p:txEl>
+                                          </p:spTgt>
+                                        </p:tgtEl>
+                                        <p:attrNameLst>
+                                          <p:attrName>style.visibility</p:attrName>
+                                        </p:attrNameLst>
+                                      </p:cBhvr>
+                                      <p:to>
+                                        <p:strVal val="visible"/>
+                                      </p:to>
+                                    </p:set>
+                                    <p:animEffect transition="in" filter="fade">
+                                      <p:cBhvr>
+                                        <p:cTn id="10" dur="500"/>
+                                        <p:tgtEl>
+                                          <p:spTgt spid="112647">
+                                            <p:txEl>
+                                              <p:pRg st="2" end="2"/>
+                                            </p:txEl>
+                                          </p:spTgt>
+                                        </p:tgtEl>
+                                      </p:cBhvr>
+                                    </p:animEffect>
+                                  </p:childTnLst>
+                                </p:cTn>
+                              </p:par>
+                            </p:childTnLst>
+                          </p:cTn>
+                        </p:par>
+                      </p:childTnLst>
+                    </p:cTn>
+                  </p:par>
+                  <p:par>
+                    <p:cTn id="11" fill="hold">
+                      <p:stCondLst>
+                        <p:cond delay="indefinite"/>
+                      </p:stCondLst>
+                      <p:childTnLst>
+                        <p:par>
+                          <p:cTn id="12" fill="hold">
+                            <p:stCondLst>
+                              <p:cond delay="0"/>
+                            </p:stCondLst>
+                            <p:childTnLst>
+                              <p:par>
+                                <p:cTn id="13" presetID="10" presetClass="entr" presetSubtype="0" fill="hold" grpId="0" nodeType="clickEffect">
+                                  <p:stCondLst>
+                                    <p:cond delay="0"/>
+                                  </p:stCondLst>
+                                  <p:childTnLst>
+                                    <p:set>
+                                      <p:cBhvr>
+                                        <p:cTn id="14" dur="1" fill="hold">
+                                          <p:stCondLst>
+                                            <p:cond delay="0"/>
+                                          </p:stCondLst>
+                                        </p:cTn>
+                                        <p:tgtEl>
+                                          <p:spTgt spid="112647">
+                                            <p:txEl>
+                                              <p:pRg st="3" end="3"/>
+                                            </p:txEl>
+                                          </p:spTgt>
+                                        </p:tgtEl>
+                                        <p:attrNameLst>
+                                          <p:attrName>style.visibility</p:attrName>
+                                        </p:attrNameLst>
+                                      </p:cBhvr>
+                                      <p:to>
+                                        <p:strVal val="visible"/>
+                                      </p:to>
+                                    </p:set>
+                                    <p:animEffect transition="in" filter="fade">
+                                      <p:cBhvr>
+                                        <p:cTn id="15" dur="500"/>
+                                        <p:tgtEl>
+                                          <p:spTgt spid="112647">
+                                            <p:txEl>
+                                              <p:pRg st="3" end="3"/>
+                                            </p:txEl>
+                                          </p:spTgt>
+                                        </p:tgtEl>
+                                      </p:cBhvr>
+                                    </p:animEffect>
+                                  </p:childTnLst>
+                                </p:cTn>
+                              </p:par>
+                            </p:childTnLst>
+                          </p:cTn>
+                        </p:par>
+                      </p:childTnLst>
+                    </p:cTn>
+                  </p:par>
+                  <p:par>
+                    <p:cTn id="16" fill="hold">
+                      <p:stCondLst>
+                        <p:cond delay="indefinite"/>
+                      </p:stCondLst>
+                      <p:childTnLst>
+                        <p:par>
+                          <p:cTn id="17" fill="hold">
+                            <p:stCondLst>
+                              <p:cond delay="0"/>
+                            </p:stCondLst>
+                            <p:childTnLst>
+                              <p:par>
+                                <p:cTn id="18" presetID="10" presetClass="entr" presetSubtype="0" fill="hold" grpId="0" nodeType="clickEffect">
+                                  <p:stCondLst>
+                                    <p:cond delay="0"/>
+                                  </p:stCondLst>
+                                  <p:childTnLst>
+                                    <p:set>
+                                      <p:cBhvr>
+                                        <p:cTn id="19" dur="1" fill="hold">
+                                          <p:stCondLst>
+                                            <p:cond delay="0"/>
+                                          </p:stCondLst>
+                                        </p:cTn>
+                                        <p:tgtEl>
+                                          <p:spTgt spid="112647">
+                                            <p:txEl>
+                                              <p:pRg st="4" end="4"/>
+                                            </p:txEl>
+                                          </p:spTgt>
+                                        </p:tgtEl>
+                                        <p:attrNameLst>
+                                          <p:attrName>style.visibility</p:attrName>
+                                        </p:attrNameLst>
+                                      </p:cBhvr>
+                                      <p:to>
+                                        <p:strVal val="visible"/>
+                                      </p:to>
+                                    </p:set>
+                                    <p:animEffect transition="in" filter="fade">
+                                      <p:cBhvr>
+                                        <p:cTn id="20" dur="500"/>
+                                        <p:tgtEl>
+                                          <p:spTgt spid="112647">
+                                            <p:txEl>
+                                              <p:pRg st="4" end="4"/>
+                                            </p:txEl>
+                                          </p:spTgt>
+                                        </p:tgtEl>
+                                      </p:cBhvr>
+                                    </p:animEffect>
+                                  </p:childTnLst>
+                                </p:cTn>
+                              </p:par>
+                            </p:childTnLst>
+                          </p:cTn>
+                        </p:par>
+                      </p:childTnLst>
+                    </p:cTn>
+                  </p:par>
+                  <p:par>
+                    <p:cTn id="21" fill="hold">
+                      <p:stCondLst>
+                        <p:cond delay="indefinite"/>
+                      </p:stCondLst>
+                      <p:childTnLst>
+                        <p:par>
+                          <p:cTn id="22" fill="hold">
+                            <p:stCondLst>
+                              <p:cond delay="0"/>
+                            </p:stCondLst>
+                            <p:childTnLst>
+                              <p:par>
+                                <p:cTn id="23" presetID="10" presetClass="entr" presetSubtype="0" fill="hold" grpId="0" nodeType="clickEffect">
+                                  <p:stCondLst>
+                                    <p:cond delay="0"/>
+                                  </p:stCondLst>
+                                  <p:childTnLst>
+                                    <p:set>
+                                      <p:cBhvr>
+                                        <p:cTn id="24" dur="1" fill="hold">
+                                          <p:stCondLst>
+                                            <p:cond delay="0"/>
+                                          </p:stCondLst>
+                                        </p:cTn>
+                                        <p:tgtEl>
+                                          <p:spTgt spid="112647">
+                                            <p:txEl>
+                                              <p:pRg st="5" end="5"/>
+                                            </p:txEl>
+                                          </p:spTgt>
+                                        </p:tgtEl>
+                                        <p:attrNameLst>
+                                          <p:attrName>style.visibility</p:attrName>
+                                        </p:attrNameLst>
+                                      </p:cBhvr>
+                                      <p:to>
+                                        <p:strVal val="visible"/>
+                                      </p:to>
+                                    </p:set>
+                                    <p:animEffect transition="in" filter="fade">
+                                      <p:cBhvr>
+                                        <p:cTn id="25" dur="500"/>
+                                        <p:tgtEl>
+                                          <p:spTgt spid="112647">
+                                            <p:txEl>
+                                              <p:pRg st="5" end="5"/>
+                                            </p:txEl>
+                                          </p:spTgt>
+                                        </p:tgtEl>
+                                      </p:cBhvr>
+                                    </p:animEffect>
+                                  </p:childTnLst>
+                                </p:cTn>
+                              </p:par>
+                            </p:childTnLst>
+                          </p:cTn>
+                        </p:par>
+                      </p:childTnLst>
+                    </p:cTn>
+                  </p:par>
+                  <p:par>
+                    <p:cTn id="26" fill="hold">
+                      <p:stCondLst>
+                        <p:cond delay="indefinite"/>
+                      </p:stCondLst>
+                      <p:childTnLst>
+                        <p:par>
+                          <p:cTn id="27" fill="hold">
+                            <p:stCondLst>
+                              <p:cond delay="0"/>
+                            </p:stCondLst>
+                            <p:childTnLst>
+                              <p:par>
+                                <p:cTn id="28" presetID="9" presetClass="entr" presetSubtype="0" fill="hold" grpId="0" nodeType="clickEffect">
+                                  <p:stCondLst>
+                                    <p:cond delay="0"/>
+                                  </p:stCondLst>
+                                  <p:childTnLst>
+                                    <p:set>
+                                      <p:cBhvr>
+                                        <p:cTn id="29" dur="1" fill="hold">
+                                          <p:stCondLst>
+                                            <p:cond delay="0"/>
+                                          </p:stCondLst>
+                                        </p:cTn>
+                                        <p:tgtEl>
+                                          <p:spTgt spid="112648"/>
+                                        </p:tgtEl>
+                                        <p:attrNameLst>
+                                          <p:attrName>style.visibility</p:attrName>
+                                        </p:attrNameLst>
+                                      </p:cBhvr>
+                                      <p:to>
+                                        <p:strVal val="visible"/>
+                                      </p:to>
+                                    </p:set>
+                                    <p:animEffect transition="in" filter="dissolve">
+                                      <p:cBhvr>
+                                        <p:cTn id="30" dur="500"/>
+                                        <p:tgtEl>
+                                          <p:spTgt spid="112648"/>
+                                        </p:tgtEl>
+                                      </p:cBhvr>
+                                    </p:animEffect>
+                                  </p:childTnLst>
+                                </p:cTn>
+                              </p:par>
+                            </p:childTnLst>
+                          </p:cTn>
+                        </p:par>
+                      </p:childTnLst>
+                    </p:cTn>
+                  </p:par>
+                </p:childTnLst>
+              </p:cTn>
+              <p:prevCondLst>
+                <p:cond evt="onPrev" delay="0">
+                  <p:tgtEl>
+                    <p:sldTgt/>
+                  </p:tgtEl>
+                </p:cond>
+              </p:prevCondLst>
+              <p:nextCondLst>
+                <p:cond evt="onNext" delay="0">
+                  <p:tgtEl>
+                    <p:sldTgt/>
+                  </p:tgtEl>
+                </p:cond>
+              </p:nextCondLst>
+            </p:seq>
+          </p:childTnLst>
+        </p:cTn>
+      </p:par>
+    </p:tnLst>
+    <p:bldLst>
+      <p:bldP spid="112647" grpId="0" build="p"/>
+      <p:bldP spid="112648" grpId="0"/>
+    </p:bldLst>
+  </p:timing>
+</p:sld>
+</file>
+
 <file path=ppt/slides/slide2.xml><?xml version="1.0" encoding="utf-8"?>
 <p:sld xmlns:a="http://schemas.openxmlformats.org/drawingml/2006/main" xmlns:r="http://schemas.openxmlformats.org/officeDocument/2006/relationships" xmlns:p="http://schemas.openxmlformats.org/presentationml/2006/main">
   <p:cSld>
@@ -4027,7 +4852,7 @@
           <p:nvPr>
             <p:extLst>
               <p:ext uri="{D42A27DB-BD31-4B8C-83A1-F6EECF244321}">
-                <p14:modId xmlns:p14="http://schemas.microsoft.com/office/powerpoint/2010/main" val="2133424732"/>
+                <p14:modId xmlns:p14="http://schemas.microsoft.com/office/powerpoint/2010/main" val="2922858764"/>
               </p:ext>
             </p:extLst>
           </p:nvPr>
@@ -4040,7 +4865,7 @@
           <a:graphicData uri="http://schemas.openxmlformats.org/presentationml/2006/ole">
             <mc:AlternateContent xmlns:mc="http://schemas.openxmlformats.org/markup-compatibility/2006">
               <mc:Choice xmlns:v="urn:schemas-microsoft-com:vml" Requires="v">
-                <p:oleObj spid="_x0000_s185410" name="Equation" r:id="rId4" imgW="1651000" imgH="330200" progId="Equation.DSMT4">
+                <p:oleObj spid="_x0000_s185414" name="Equation" r:id="rId4" imgW="1651000" imgH="330200" progId="Equation.DSMT4">
                   <p:embed/>
                 </p:oleObj>
               </mc:Choice>
@@ -4129,7 +4954,7 @@
         <p:spPr>
           <a:xfrm>
             <a:off x="525138" y="901700"/>
-            <a:ext cx="8083804" cy="2616101"/>
+            <a:ext cx="8083804" cy="2431435"/>
           </a:xfrm>
           <a:prstGeom prst="rect">
             <a:avLst/>
@@ -4241,49 +5066,6 @@
               </a:rPr>
               <a:t>μ</a:t>
             </a:r>
-            <a:r>
-              <a:rPr lang="en-US" sz="5400" dirty="0" smtClean="0">
-                <a:latin typeface="Comic Sans MS"/>
-                <a:cs typeface="Comic Sans MS"/>
-              </a:rPr>
-              <a:t>, </a:t>
-            </a:r>
-            <a:r>
-              <a:rPr lang="en-US" sz="5400" dirty="0" err="1" smtClean="0">
-                <a:latin typeface="Comic Sans MS"/>
-                <a:cs typeface="Comic Sans MS"/>
-              </a:rPr>
-              <a:t>var</a:t>
-            </a:r>
-            <a:r>
-              <a:rPr lang="en-US" sz="5400" dirty="0" smtClean="0">
-                <a:latin typeface="Comic Sans MS"/>
-                <a:cs typeface="Comic Sans MS"/>
-              </a:rPr>
-              <a:t> </a:t>
-            </a:r>
-            <a:r>
-              <a:rPr lang="en-US" sz="6600" dirty="0" smtClean="0">
-                <a:solidFill>
-                  <a:srgbClr val="0000FF"/>
-                </a:solidFill>
-                <a:latin typeface="Comic Sans MS"/>
-                <a:cs typeface="Comic Sans MS"/>
-                <a:sym typeface="Symbol" pitchFamily="18" charset="2"/>
-              </a:rPr>
-              <a:t>σ</a:t>
-            </a:r>
-            <a:r>
-              <a:rPr lang="en-US" sz="6600" baseline="30000" dirty="0" smtClean="0">
-                <a:solidFill>
-                  <a:srgbClr val="0000FF"/>
-                </a:solidFill>
-                <a:latin typeface="Comic Sans MS"/>
-                <a:cs typeface="Comic Sans MS"/>
-                <a:sym typeface="Symbol" pitchFamily="18" charset="2"/>
-              </a:rPr>
-              <a:t>2</a:t>
-            </a:r>
             <a:endParaRPr lang="en-US" sz="5400" dirty="0">
               <a:latin typeface="Comic Sans MS"/>
               <a:cs typeface="Comic Sans MS"/>
@@ -4318,9 +5100,7 @@
             <a:r>
               <a:rPr lang="en-US" sz="4400" dirty="0" err="1" smtClean="0">
                 <a:solidFill>
-                  <a:schemeClr val="accent1">
-                    <a:lumMod val="50000"/>
-                  </a:schemeClr>
+                  <a:srgbClr val="A7097A"/>
                 </a:solidFill>
                 <a:latin typeface="Lucida Grande"/>
                 <a:ea typeface="Lucida Grande"/>
@@ -4706,6 +5486,479 @@
 </file>
 
 <file path=ppt/slides/slide3.xml><?xml version="1.0" encoding="utf-8"?>
+<p:sld xmlns:a="http://schemas.openxmlformats.org/drawingml/2006/main" xmlns:r="http://schemas.openxmlformats.org/officeDocument/2006/relationships" xmlns:p="http://schemas.openxmlformats.org/presentationml/2006/main">
+  <p:cSld>
+    <p:spTree>
+      <p:nvGrpSpPr>
+        <p:cNvPr id="1" name=""/>
+        <p:cNvGrpSpPr/>
+        <p:nvPr/>
+      </p:nvGrpSpPr>
+      <p:grpSpPr>
+        <a:xfrm>
+          <a:off x="0" y="0"/>
+          <a:ext cx="0" cy="0"/>
+          <a:chOff x="0" y="0"/>
+          <a:chExt cx="0" cy="0"/>
+        </a:xfrm>
+      </p:grpSpPr>
+      <p:sp>
+        <p:nvSpPr>
+          <p:cNvPr id="8" name="Text Box 6"/>
+          <p:cNvSpPr txBox="1">
+            <a:spLocks noChangeArrowheads="1"/>
+          </p:cNvSpPr>
+          <p:nvPr/>
+        </p:nvSpPr>
+        <p:spPr bwMode="auto">
+          <a:xfrm>
+            <a:off x="2963863" y="5016501"/>
+            <a:ext cx="3182937" cy="1200329"/>
+          </a:xfrm>
+          <a:prstGeom prst="rect">
+            <a:avLst/>
+          </a:prstGeom>
+          <a:noFill/>
+          <a:ln w="28575">
+            <a:noFill/>
+            <a:miter lim="800000"/>
+            <a:headEnd/>
+            <a:tailEnd/>
+          </a:ln>
+          <a:effectLst/>
+        </p:spPr>
+        <p:txBody>
+          <a:bodyPr wrap="square">
+            <a:spAutoFit/>
+          </a:bodyPr>
+          <a:lstStyle/>
+          <a:p>
+            <a:r>
+              <a:rPr lang="en-US" sz="7200" dirty="0" smtClean="0">
+                <a:solidFill>
+                  <a:srgbClr val="A7097A"/>
+                </a:solidFill>
+                <a:latin typeface="Comic Sans MS"/>
+                <a:cs typeface="Comic Sans MS"/>
+              </a:rPr>
+              <a:t>Proof:</a:t>
+            </a:r>
+            <a:r>
+              <a:rPr lang="en-US" sz="3600" dirty="0" smtClean="0">
+                <a:latin typeface="Comic Sans MS"/>
+                <a:cs typeface="Comic Sans MS"/>
+              </a:rPr>
+              <a:t> </a:t>
+            </a:r>
+            <a:endParaRPr lang="en-US" sz="3600" dirty="0">
+              <a:latin typeface="Comic Sans MS"/>
+              <a:cs typeface="Comic Sans MS"/>
+            </a:endParaRPr>
+          </a:p>
+        </p:txBody>
+      </p:sp>
+      <p:graphicFrame>
+        <p:nvGraphicFramePr>
+          <p:cNvPr id="7" name="Object 6"/>
+          <p:cNvGraphicFramePr>
+            <a:graphicFrameLocks noChangeAspect="1"/>
+          </p:cNvGraphicFramePr>
+          <p:nvPr>
+            <p:extLst>
+              <p:ext uri="{D42A27DB-BD31-4B8C-83A1-F6EECF244321}">
+                <p14:modId xmlns:p14="http://schemas.microsoft.com/office/powerpoint/2010/main" val="2695964517"/>
+              </p:ext>
+            </p:extLst>
+          </p:nvPr>
+        </p:nvGraphicFramePr>
+        <p:xfrm>
+          <a:off x="201613" y="3375025"/>
+          <a:ext cx="8777287" cy="1754188"/>
+        </p:xfrm>
+        <a:graphic>
+          <a:graphicData uri="http://schemas.openxmlformats.org/presentationml/2006/ole">
+            <mc:AlternateContent xmlns:mc="http://schemas.openxmlformats.org/markup-compatibility/2006">
+              <mc:Choice xmlns:v="urn:schemas-microsoft-com:vml" Requires="v">
+                <p:oleObj spid="_x0000_s1028" name="Equation" r:id="rId4" imgW="1651000" imgH="330200" progId="Equation.DSMT4">
+                  <p:embed/>
+                </p:oleObj>
+              </mc:Choice>
+              <mc:Fallback>
+                <p:oleObj name="Equation" r:id="rId4" imgW="1651000" imgH="330200" progId="Equation.DSMT4">
+                  <p:embed/>
+                  <p:pic>
+                    <p:nvPicPr>
+                      <p:cNvPr id="0" name=""/>
+                      <p:cNvPicPr/>
+                      <p:nvPr/>
+                    </p:nvPicPr>
+                    <p:blipFill>
+                      <a:blip r:embed="rId5">
+                        <a:alphaModFix/>
+                      </a:blip>
+                      <a:stretch>
+                        <a:fillRect/>
+                      </a:stretch>
+                    </p:blipFill>
+                    <p:spPr>
+                      <a:xfrm>
+                        <a:off x="201613" y="3375025"/>
+                        <a:ext cx="8777287" cy="1754188"/>
+                      </a:xfrm>
+                      <a:prstGeom prst="rect">
+                        <a:avLst/>
+                      </a:prstGeom>
+                    </p:spPr>
+                  </p:pic>
+                </p:oleObj>
+              </mc:Fallback>
+            </mc:AlternateContent>
+          </a:graphicData>
+        </a:graphic>
+      </p:graphicFrame>
+      <p:sp>
+        <p:nvSpPr>
+          <p:cNvPr id="9" name="Text Box 9"/>
+          <p:cNvSpPr txBox="1">
+            <a:spLocks noChangeArrowheads="1"/>
+          </p:cNvSpPr>
+          <p:nvPr/>
+        </p:nvSpPr>
+        <p:spPr bwMode="auto">
+          <a:xfrm>
+            <a:off x="1227401" y="232833"/>
+            <a:ext cx="7586399" cy="707886"/>
+          </a:xfrm>
+          <a:prstGeom prst="rect">
+            <a:avLst/>
+          </a:prstGeom>
+          <a:solidFill>
+            <a:schemeClr val="accent1"/>
+          </a:solidFill>
+          <a:ln w="9525" algn="ctr">
+            <a:noFill/>
+            <a:miter lim="800000"/>
+            <a:headEnd/>
+            <a:tailEnd/>
+          </a:ln>
+        </p:spPr>
+        <p:txBody>
+          <a:bodyPr wrap="square">
+            <a:spAutoFit/>
+          </a:bodyPr>
+          <a:lstStyle/>
+          <a:p>
+            <a:pPr algn="ctr"/>
+            <a:r>
+              <a:rPr lang="en-US" b="1" dirty="0">
+                <a:latin typeface="Comic Sans MS"/>
+                <a:cs typeface="Comic Sans MS"/>
+              </a:rPr>
+              <a:t>Weak Law of Large Numbers</a:t>
+            </a:r>
+          </a:p>
+        </p:txBody>
+      </p:sp>
+      <p:sp>
+        <p:nvSpPr>
+          <p:cNvPr id="2" name="TextBox 1"/>
+          <p:cNvSpPr txBox="1"/>
+          <p:nvPr/>
+        </p:nvSpPr>
+        <p:spPr>
+          <a:xfrm>
+            <a:off x="525138" y="901700"/>
+            <a:ext cx="8083804" cy="2431435"/>
+          </a:xfrm>
+          <a:prstGeom prst="rect">
+            <a:avLst/>
+          </a:prstGeom>
+          <a:noFill/>
+        </p:spPr>
+        <p:txBody>
+          <a:bodyPr wrap="none" rtlCol="0">
+            <a:spAutoFit/>
+          </a:bodyPr>
+          <a:lstStyle/>
+          <a:p>
+            <a:r>
+              <a:rPr lang="en-US" sz="5400" dirty="0" smtClean="0">
+                <a:solidFill>
+                  <a:srgbClr val="0000FF"/>
+                </a:solidFill>
+                <a:latin typeface="Comic Sans MS"/>
+                <a:cs typeface="Comic Sans MS"/>
+              </a:rPr>
+              <a:t>A</a:t>
+            </a:r>
+            <a:r>
+              <a:rPr lang="en-US" sz="5400" baseline="-25000" dirty="0" smtClean="0">
+                <a:solidFill>
+                  <a:srgbClr val="0000FF"/>
+                </a:solidFill>
+                <a:latin typeface="Comic Sans MS"/>
+                <a:cs typeface="Comic Sans MS"/>
+              </a:rPr>
+              <a:t>n</a:t>
+            </a:r>
+            <a:r>
+              <a:rPr lang="en-US" sz="5400" dirty="0" smtClean="0">
+                <a:latin typeface="Comic Sans MS"/>
+                <a:cs typeface="Comic Sans MS"/>
+              </a:rPr>
+              <a:t>::</a:t>
+            </a:r>
+            <a:r>
+              <a:rPr lang="en-US" sz="5400" dirty="0" smtClean="0">
+                <a:latin typeface="Euclid Symbol" charset="2"/>
+                <a:cs typeface="Euclid Symbol" charset="2"/>
+              </a:rPr>
+              <a:t>= </a:t>
+            </a:r>
+            <a:r>
+              <a:rPr lang="en-US" sz="5400" dirty="0" err="1" smtClean="0">
+                <a:latin typeface="Comic Sans MS"/>
+                <a:cs typeface="Comic Sans MS"/>
+              </a:rPr>
+              <a:t>avg</a:t>
+            </a:r>
+            <a:r>
+              <a:rPr lang="en-US" sz="5400" dirty="0" smtClean="0">
+                <a:latin typeface="Comic Sans MS"/>
+                <a:cs typeface="Comic Sans MS"/>
+              </a:rPr>
+              <a:t> of </a:t>
+            </a:r>
+            <a:r>
+              <a:rPr lang="en-US" sz="5400" dirty="0" smtClean="0">
+                <a:solidFill>
+                  <a:srgbClr val="0000FF"/>
+                </a:solidFill>
+                <a:latin typeface="Comic Sans MS"/>
+                <a:cs typeface="Comic Sans MS"/>
+              </a:rPr>
+              <a:t>n</a:t>
+            </a:r>
+            <a:r>
+              <a:rPr lang="en-US" sz="5400" dirty="0" smtClean="0">
+                <a:latin typeface="Comic Sans MS"/>
+                <a:cs typeface="Comic Sans MS"/>
+              </a:rPr>
+              <a:t> </a:t>
+            </a:r>
+            <a:r>
+              <a:rPr lang="en-US" sz="5400" dirty="0" err="1" smtClean="0">
+                <a:latin typeface="Comic Sans MS"/>
+                <a:cs typeface="Comic Sans MS"/>
+              </a:rPr>
+              <a:t>indep</a:t>
+            </a:r>
+            <a:r>
+              <a:rPr lang="en-US" sz="5400" dirty="0" smtClean="0">
+                <a:latin typeface="Comic Sans MS"/>
+                <a:cs typeface="Comic Sans MS"/>
+              </a:rPr>
+              <a:t> RV’s</a:t>
+            </a:r>
+          </a:p>
+          <a:p>
+            <a:r>
+              <a:rPr lang="en-US" sz="5400" dirty="0" smtClean="0">
+                <a:latin typeface="Comic Sans MS"/>
+                <a:cs typeface="Comic Sans MS"/>
+              </a:rPr>
+              <a:t>with mean </a:t>
+            </a:r>
+            <a:r>
+              <a:rPr lang="en-US" sz="5400" dirty="0" smtClean="0">
+                <a:solidFill>
+                  <a:srgbClr val="0000FF"/>
+                </a:solidFill>
+                <a:latin typeface="Lucida Grande"/>
+                <a:ea typeface="Lucida Grande"/>
+                <a:cs typeface="Lucida Grande"/>
+              </a:rPr>
+              <a:t>μ</a:t>
+            </a:r>
+            <a:r>
+              <a:rPr lang="en-US" sz="5400" dirty="0" smtClean="0">
+                <a:latin typeface="Comic Sans MS"/>
+                <a:cs typeface="Comic Sans MS"/>
+              </a:rPr>
+              <a:t>, </a:t>
+            </a:r>
+            <a:r>
+              <a:rPr lang="en-US" sz="5400" dirty="0" err="1" smtClean="0">
+                <a:solidFill>
+                  <a:srgbClr val="FF00FF"/>
+                </a:solidFill>
+                <a:latin typeface="Comic Sans MS"/>
+                <a:cs typeface="Comic Sans MS"/>
+              </a:rPr>
+              <a:t>var</a:t>
+            </a:r>
+            <a:r>
+              <a:rPr lang="en-US" sz="5400" dirty="0" smtClean="0">
+                <a:solidFill>
+                  <a:srgbClr val="FF00FF"/>
+                </a:solidFill>
+                <a:latin typeface="Comic Sans MS"/>
+                <a:cs typeface="Comic Sans MS"/>
+              </a:rPr>
+              <a:t> </a:t>
+            </a:r>
+            <a:r>
+              <a:rPr lang="en-US" sz="5400" dirty="0" smtClean="0">
+                <a:solidFill>
+                  <a:srgbClr val="FF00FF"/>
+                </a:solidFill>
+                <a:latin typeface="Comic Sans MS"/>
+                <a:cs typeface="Comic Sans MS"/>
+                <a:sym typeface="Symbol" pitchFamily="18" charset="2"/>
+              </a:rPr>
+              <a:t>σ</a:t>
+            </a:r>
+            <a:r>
+              <a:rPr lang="en-US" sz="5400" baseline="30000" dirty="0" smtClean="0">
+                <a:solidFill>
+                  <a:srgbClr val="FF00FF"/>
+                </a:solidFill>
+                <a:latin typeface="Comic Sans MS"/>
+                <a:cs typeface="Comic Sans MS"/>
+                <a:sym typeface="Symbol" pitchFamily="18" charset="2"/>
+              </a:rPr>
+              <a:t>2</a:t>
+            </a:r>
+            <a:endParaRPr lang="en-US" sz="5400" dirty="0">
+              <a:solidFill>
+                <a:srgbClr val="FF00FF"/>
+              </a:solidFill>
+              <a:latin typeface="Comic Sans MS"/>
+              <a:cs typeface="Comic Sans MS"/>
+              <a:sym typeface="Symbol" pitchFamily="18" charset="2"/>
+            </a:endParaRPr>
+          </a:p>
+          <a:p>
+            <a:r>
+              <a:rPr lang="en-US" sz="4400" dirty="0" smtClean="0">
+                <a:solidFill>
+                  <a:srgbClr val="A7097A"/>
+                </a:solidFill>
+                <a:latin typeface="Comic Sans MS"/>
+                <a:cs typeface="Comic Sans MS"/>
+                <a:sym typeface="Symbol" pitchFamily="18" charset="2"/>
+              </a:rPr>
+              <a:t>Theorem: </a:t>
+            </a:r>
+            <a:r>
+              <a:rPr lang="en-US" sz="4400" dirty="0" smtClean="0">
+                <a:solidFill>
+                  <a:schemeClr val="accent1">
+                    <a:lumMod val="50000"/>
+                  </a:schemeClr>
+                </a:solidFill>
+                <a:latin typeface="Comic Sans MS"/>
+                <a:cs typeface="Comic Sans MS"/>
+                <a:sym typeface="Symbol" pitchFamily="18" charset="2"/>
+              </a:rPr>
+              <a:t>For all </a:t>
+            </a:r>
+            <a:r>
+              <a:rPr lang="en-US" sz="4400" dirty="0" err="1" smtClean="0">
+                <a:solidFill>
+                  <a:srgbClr val="A7097A"/>
+                </a:solidFill>
+                <a:latin typeface="Lucida Grande"/>
+                <a:ea typeface="Lucida Grande"/>
+                <a:cs typeface="Lucida Grande"/>
+                <a:sym typeface="Symbol" pitchFamily="18" charset="2"/>
+              </a:rPr>
+              <a:t>δ</a:t>
+            </a:r>
+            <a:r>
+              <a:rPr lang="en-US" sz="4400" dirty="0">
+                <a:solidFill>
+                  <a:schemeClr val="accent1">
+                    <a:lumMod val="50000"/>
+                  </a:schemeClr>
+                </a:solidFill>
+                <a:latin typeface="Comic Sans MS"/>
+                <a:cs typeface="Comic Sans MS"/>
+                <a:sym typeface="Symbol" pitchFamily="18" charset="2"/>
+              </a:rPr>
+              <a:t> </a:t>
+            </a:r>
+            <a:r>
+              <a:rPr lang="en-US" sz="4400" b="1" dirty="0" smtClean="0">
+                <a:solidFill>
+                  <a:schemeClr val="accent1">
+                    <a:lumMod val="50000"/>
+                  </a:schemeClr>
+                </a:solidFill>
+                <a:latin typeface="Euclid Symbol" charset="2"/>
+                <a:cs typeface="Euclid Symbol" charset="2"/>
+                <a:sym typeface="Symbol" pitchFamily="18" charset="2"/>
+              </a:rPr>
+              <a:t>&gt;</a:t>
+            </a:r>
+            <a:r>
+              <a:rPr lang="en-US" sz="4400" dirty="0" smtClean="0">
+                <a:solidFill>
+                  <a:schemeClr val="accent1">
+                    <a:lumMod val="50000"/>
+                  </a:schemeClr>
+                </a:solidFill>
+                <a:latin typeface="Comic Sans MS"/>
+                <a:cs typeface="Comic Sans MS"/>
+                <a:sym typeface="Symbol" pitchFamily="18" charset="2"/>
+              </a:rPr>
+              <a:t> 0</a:t>
+            </a:r>
+            <a:endParaRPr lang="en-US" sz="4400" dirty="0" smtClean="0">
+              <a:solidFill>
+                <a:schemeClr val="accent1">
+                  <a:lumMod val="50000"/>
+                </a:schemeClr>
+              </a:solidFill>
+              <a:latin typeface="Comic Sans MS"/>
+              <a:cs typeface="Comic Sans MS"/>
+            </a:endParaRPr>
+          </a:p>
+        </p:txBody>
+      </p:sp>
+    </p:spTree>
+    <p:extLst>
+      <p:ext uri="{BB962C8B-B14F-4D97-AF65-F5344CB8AC3E}">
+        <p14:creationId xmlns:p14="http://schemas.microsoft.com/office/powerpoint/2010/main" val="104491109"/>
+      </p:ext>
+    </p:extLst>
+  </p:cSld>
+  <p:clrMapOvr>
+    <a:masterClrMapping/>
+  </p:clrMapOvr>
+  <mc:AlternateContent xmlns:mc="http://schemas.openxmlformats.org/markup-compatibility/2006">
+    <mc:Choice xmlns:p14="http://schemas.microsoft.com/office/powerpoint/2010/main" Requires="p14">
+      <p:transition spd="med" p14:dur="600" advClick="0">
+        <p:fade/>
+      </p:transition>
+    </mc:Choice>
+    <mc:Fallback>
+      <p:transition xmlns:p14="http://schemas.microsoft.com/office/powerpoint/2010/main" spd="med" advClick="0">
+        <p:fade/>
+      </p:transition>
+    </mc:Fallback>
+  </mc:AlternateContent>
+  <p:timing>
+    <p:tnLst>
+      <p:par>
+        <p:cTn xmlns:p14="http://schemas.microsoft.com/office/powerpoint/2010/main" id="1" dur="indefinite" restart="never" nodeType="tmRoot"/>
+      </p:par>
+    </p:tnLst>
+  </p:timing>
+</p:sld>
+</file>
+
+<file path=ppt/slides/slide4.xml><?xml version="1.0" encoding="utf-8"?>
 <p:sld xmlns:a="http://schemas.openxmlformats.org/drawingml/2006/main" xmlns:r="http://schemas.openxmlformats.org/officeDocument/2006/relationships" xmlns:p="http://schemas.openxmlformats.org/presentationml/2006/main" showMasterPhAnim="0">
   <p:cSld>
     <p:spTree>
@@ -4744,7 +5997,7 @@
           <a:graphicData uri="http://schemas.openxmlformats.org/presentationml/2006/ole">
             <mc:AlternateContent xmlns:mc="http://schemas.openxmlformats.org/markup-compatibility/2006">
               <mc:Choice xmlns:v="urn:schemas-microsoft-com:vml" Requires="v">
-                <p:oleObj spid="_x0000_s146573" name="Equation" r:id="rId5" imgW="673100" imgH="469900" progId="Equation.DSMT4">
+                <p:oleObj spid="_x0000_s146583" name="Equation" r:id="rId5" imgW="673100" imgH="469900" progId="Equation.DSMT4">
                   <p:embed/>
                 </p:oleObj>
               </mc:Choice>
@@ -4820,7 +6073,7 @@
           <a:graphicData uri="http://schemas.openxmlformats.org/presentationml/2006/ole">
             <mc:AlternateContent xmlns:mc="http://schemas.openxmlformats.org/markup-compatibility/2006">
               <mc:Choice xmlns:v="urn:schemas-microsoft-com:vml" Requires="v">
-                <p:oleObj spid="_x0000_s146574" name="Equation" r:id="rId7" imgW="1968500" imgH="584200" progId="Equation.DSMT4">
+                <p:oleObj spid="_x0000_s146584" name="Equation" r:id="rId7" imgW="1968500" imgH="584200" progId="Equation.DSMT4">
                   <p:embed/>
                 </p:oleObj>
               </mc:Choice>
@@ -5005,7 +6258,7 @@
           <a:graphicData uri="http://schemas.openxmlformats.org/presentationml/2006/ole">
             <mc:AlternateContent xmlns:mc="http://schemas.openxmlformats.org/markup-compatibility/2006">
               <mc:Choice xmlns:v="urn:schemas-microsoft-com:vml" Requires="v">
-                <p:oleObj spid="_x0000_s146575" name="Equation" r:id="rId9" imgW="1816100" imgH="495300" progId="Equation.DSMT4">
+                <p:oleObj spid="_x0000_s146585" name="Equation" r:id="rId9" imgW="1816100" imgH="495300" progId="Equation.DSMT4">
                   <p:embed/>
                 </p:oleObj>
               </mc:Choice>
@@ -5265,7 +6518,7 @@
 </p:sld>
 </file>
 
-<file path=ppt/slides/slide4.xml><?xml version="1.0" encoding="utf-8"?>
+<file path=ppt/slides/slide5.xml><?xml version="1.0" encoding="utf-8"?>
 <p:sld xmlns:a="http://schemas.openxmlformats.org/drawingml/2006/main" xmlns:r="http://schemas.openxmlformats.org/officeDocument/2006/relationships" xmlns:p="http://schemas.openxmlformats.org/presentationml/2006/main">
   <p:cSld>
     <p:spTree>
@@ -5347,7 +6600,7 @@
           <a:graphicData uri="http://schemas.openxmlformats.org/presentationml/2006/ole">
             <mc:AlternateContent xmlns:mc="http://schemas.openxmlformats.org/markup-compatibility/2006">
               <mc:Choice xmlns:v="urn:schemas-microsoft-com:vml" Requires="v">
-                <p:oleObj spid="_x0000_s209979" name="Equation" r:id="rId5" imgW="1943100" imgH="495300" progId="Equation.DSMT4">
+                <p:oleObj spid="_x0000_s209983" name="Equation" r:id="rId5" imgW="1943100" imgH="495300" progId="Equation.DSMT4">
                   <p:embed/>
                 </p:oleObj>
               </mc:Choice>
@@ -5771,7 +7024,7 @@
 </p:sld>
 </file>
 
-<file path=ppt/slides/slide5.xml><?xml version="1.0" encoding="utf-8"?>
+<file path=ppt/slides/slide6.xml><?xml version="1.0" encoding="utf-8"?>
 <p:sld xmlns:a="http://schemas.openxmlformats.org/drawingml/2006/main" xmlns:r="http://schemas.openxmlformats.org/officeDocument/2006/relationships" xmlns:p="http://schemas.openxmlformats.org/presentationml/2006/main" show="0">
   <p:cSld>
     <p:spTree>
@@ -5918,7 +7171,7 @@
         <p:spPr bwMode="auto">
           <a:xfrm>
             <a:off x="998538" y="3155950"/>
-            <a:ext cx="7137400" cy="1189038"/>
+            <a:ext cx="7297791" cy="1200329"/>
           </a:xfrm>
           <a:prstGeom prst="rect">
             <a:avLst/>
@@ -5999,7 +7252,7 @@
                 <a:cs typeface="Comic Sans MS"/>
                 <a:sym typeface="Symbol" pitchFamily="18" charset="2"/>
               </a:rPr>
-              <a:t>Var[R</a:t>
+              <a:t>Var</a:t>
             </a:r>
             <a:r>
               <a:rPr lang="en-US" sz="7200" dirty="0">
@@ -6010,10 +7263,43 @@
                 <a:cs typeface="Comic Sans MS"/>
                 <a:sym typeface="Symbol" pitchFamily="18" charset="2"/>
               </a:rPr>
+              <a:t>[</a:t>
+            </a:r>
+            <a:r>
+              <a:rPr lang="en-US" sz="7200" dirty="0" smtClean="0">
+                <a:solidFill>
+                  <a:srgbClr val="0000FF"/>
+                </a:solidFill>
+                <a:latin typeface="Comic Sans MS"/>
+                <a:cs typeface="Comic Sans MS"/>
+                <a:sym typeface="Symbol" pitchFamily="18" charset="2"/>
+              </a:rPr>
+              <a:t>R</a:t>
+            </a:r>
+            <a:r>
+              <a:rPr lang="en-US" sz="7200" baseline="-25000" dirty="0" smtClean="0">
+                <a:solidFill>
+                  <a:srgbClr val="0000FF"/>
+                </a:solidFill>
+                <a:latin typeface="Comic Sans MS"/>
+                <a:cs typeface="Comic Sans MS"/>
+                <a:sym typeface="Symbol" pitchFamily="18" charset="2"/>
+              </a:rPr>
+              <a:t>1</a:t>
+            </a:r>
+            <a:r>
+              <a:rPr lang="en-US" sz="7200" dirty="0" smtClean="0">
+                <a:solidFill>
+                  <a:srgbClr val="0000FF"/>
+                </a:solidFill>
+                <a:latin typeface="Comic Sans MS"/>
+                <a:cs typeface="Comic Sans MS"/>
+                <a:sym typeface="Symbol" pitchFamily="18" charset="2"/>
+              </a:rPr>
               <a:t>]</a:t>
             </a:r>
             <a:r>
-              <a:rPr lang="en-US" sz="6600" dirty="0">
+              <a:rPr lang="en-US" sz="6600" dirty="0" smtClean="0">
                 <a:latin typeface="Comic Sans MS"/>
                 <a:cs typeface="Comic Sans MS"/>
                 <a:sym typeface="Symbol" pitchFamily="18" charset="2"/>
@@ -6138,7 +7424,7 @@
 </p:sld>
 </file>
 
-<file path=ppt/slides/slide6.xml><?xml version="1.0" encoding="utf-8"?>
+<file path=ppt/slides/slide7.xml><?xml version="1.0" encoding="utf-8"?>
 <p:sld xmlns:a="http://schemas.openxmlformats.org/drawingml/2006/main" xmlns:r="http://schemas.openxmlformats.org/officeDocument/2006/relationships" xmlns:p="http://schemas.openxmlformats.org/presentationml/2006/main" showMasterPhAnim="0">
   <p:cSld>
     <p:spTree>
@@ -6177,7 +7463,7 @@
           <a:graphicData uri="http://schemas.openxmlformats.org/presentationml/2006/ole">
             <mc:AlternateContent xmlns:mc="http://schemas.openxmlformats.org/markup-compatibility/2006">
               <mc:Choice xmlns:v="urn:schemas-microsoft-com:vml" Requires="v">
-                <p:oleObj spid="_x0000_s150661" name="Equation" r:id="rId5" imgW="2171700" imgH="584200" progId="Equation.DSMT4">
+                <p:oleObj spid="_x0000_s150671" name="Equation" r:id="rId5" imgW="2171700" imgH="584200" progId="Equation.DSMT4">
                   <p:embed/>
                 </p:oleObj>
               </mc:Choice>
@@ -6247,7 +7533,7 @@
           <a:graphicData uri="http://schemas.openxmlformats.org/presentationml/2006/ole">
             <mc:AlternateContent xmlns:mc="http://schemas.openxmlformats.org/markup-compatibility/2006">
               <mc:Choice xmlns:v="urn:schemas-microsoft-com:vml" Requires="v">
-                <p:oleObj spid="_x0000_s150662" name="Equation" r:id="rId7" imgW="2286000" imgH="495300" progId="Equation.DSMT4">
+                <p:oleObj spid="_x0000_s150672" name="Equation" r:id="rId7" imgW="2286000" imgH="495300" progId="Equation.DSMT4">
                   <p:embed/>
                 </p:oleObj>
               </mc:Choice>
@@ -6311,7 +7597,7 @@
           <a:graphicData uri="http://schemas.openxmlformats.org/presentationml/2006/ole">
             <mc:AlternateContent xmlns:mc="http://schemas.openxmlformats.org/markup-compatibility/2006">
               <mc:Choice xmlns:v="urn:schemas-microsoft-com:vml" Requires="v">
-                <p:oleObj spid="_x0000_s150663" name="Equation" r:id="rId9" imgW="787320" imgH="444240" progId="Equation.DSMT4">
+                <p:oleObj spid="_x0000_s150673" name="Equation" r:id="rId9" imgW="787320" imgH="444240" progId="Equation.DSMT4">
                   <p:embed/>
                 </p:oleObj>
               </mc:Choice>
@@ -6373,10 +7659,10 @@
         </p:nvGrpSpPr>
         <p:grpSpPr>
           <a:xfrm>
-            <a:off x="715043" y="1464566"/>
-            <a:ext cx="5154049" cy="4828489"/>
-            <a:chOff x="715043" y="1464566"/>
-            <a:chExt cx="5154049" cy="4828489"/>
+            <a:off x="1028700" y="1397000"/>
+            <a:ext cx="4840392" cy="4896055"/>
+            <a:chOff x="829343" y="1464566"/>
+            <a:chExt cx="5039749" cy="4828489"/>
           </a:xfrm>
         </p:grpSpPr>
         <p:sp>
@@ -6387,7 +7673,7 @@
           </p:nvSpPr>
           <p:spPr bwMode="auto">
             <a:xfrm>
-              <a:off x="715043" y="1464566"/>
+              <a:off x="829343" y="1464566"/>
               <a:ext cx="2127975" cy="1258611"/>
             </a:xfrm>
             <a:prstGeom prst="rect">
@@ -7137,7 +8423,7 @@
 </p:sld>
 </file>
 
-<file path=ppt/slides/slide7.xml><?xml version="1.0" encoding="utf-8"?>
+<file path=ppt/slides/slide8.xml><?xml version="1.0" encoding="utf-8"?>
 <p:sld xmlns:a="http://schemas.openxmlformats.org/drawingml/2006/main" xmlns:r="http://schemas.openxmlformats.org/officeDocument/2006/relationships" xmlns:p="http://schemas.openxmlformats.org/presentationml/2006/main">
   <p:cSld>
     <p:spTree>
@@ -7741,7 +9027,7 @@
 </p:sld>
 </file>
 
-<file path=ppt/slides/slide8.xml><?xml version="1.0" encoding="utf-8"?>
+<file path=ppt/slides/slide9.xml><?xml version="1.0" encoding="utf-8"?>
 <p:sld xmlns:a="http://schemas.openxmlformats.org/drawingml/2006/main" xmlns:r="http://schemas.openxmlformats.org/officeDocument/2006/relationships" xmlns:p="http://schemas.openxmlformats.org/presentationml/2006/main">
   <p:cSld>
     <p:spTree>
@@ -8047,15 +9333,7 @@
                 <a:cs typeface="Comic Sans MS"/>
                 <a:sym typeface="Symbol" pitchFamily="18" charset="2"/>
               </a:rPr>
-              <a:t> </a:t>
-            </a:r>
-            <a:r>
-              <a:rPr lang="en-US" sz="3600" dirty="0" smtClean="0">
-                <a:latin typeface="Comic Sans MS"/>
-                <a:cs typeface="Comic Sans MS"/>
-                <a:sym typeface="Symbol" pitchFamily="18" charset="2"/>
-              </a:rPr>
-              <a:t>  Then</a:t>
+              <a:t>   Then</a:t>
             </a:r>
             <a:endParaRPr lang="en-US" sz="3600" dirty="0">
               <a:latin typeface="Comic Sans MS"/>
@@ -8087,7 +9365,7 @@
           <a:graphicData uri="http://schemas.openxmlformats.org/presentationml/2006/ole">
             <mc:AlternateContent xmlns:mc="http://schemas.openxmlformats.org/markup-compatibility/2006">
               <mc:Choice xmlns:v="urn:schemas-microsoft-com:vml" Requires="v">
-                <p:oleObj spid="_x0000_s154723" name="Equation" r:id="rId5" imgW="1828800" imgH="292100" progId="Equation.DSMT4">
+                <p:oleObj spid="_x0000_s154730" name="Equation" r:id="rId5" imgW="1828800" imgH="292100" progId="Equation.DSMT4">
                   <p:embed/>
                 </p:oleObj>
               </mc:Choice>
@@ -8157,7 +9435,7 @@
           <a:graphicData uri="http://schemas.openxmlformats.org/presentationml/2006/ole">
             <mc:AlternateContent xmlns:mc="http://schemas.openxmlformats.org/markup-compatibility/2006">
               <mc:Choice xmlns:v="urn:schemas-microsoft-com:vml" Requires="v">
-                <p:oleObj spid="_x0000_s154724" name="Equation" r:id="rId7" imgW="1828800" imgH="596900" progId="Equation.DSMT4">
+                <p:oleObj spid="_x0000_s154731" name="Equation" r:id="rId7" imgW="1828800" imgH="596900" progId="Equation.DSMT4">
                   <p:embed/>
                 </p:oleObj>
               </mc:Choice>
@@ -8573,742 +9851,6 @@
     </p:tnLst>
     <p:bldLst>
       <p:bldP spid="8" grpId="0" animBg="1"/>
-    </p:bldLst>
-  </p:timing>
-</p:sld>
-</file>
-
-<file path=ppt/slides/slide9.xml><?xml version="1.0" encoding="utf-8"?>
-<p:sld xmlns:a="http://schemas.openxmlformats.org/drawingml/2006/main" xmlns:r="http://schemas.openxmlformats.org/officeDocument/2006/relationships" xmlns:p="http://schemas.openxmlformats.org/presentationml/2006/main">
-  <p:cSld>
-    <p:spTree>
-      <p:nvGrpSpPr>
-        <p:cNvPr id="1" name=""/>
-        <p:cNvGrpSpPr/>
-        <p:nvPr/>
-      </p:nvGrpSpPr>
-      <p:grpSpPr>
-        <a:xfrm>
-          <a:off x="0" y="0"/>
-          <a:ext cx="0" cy="0"/>
-          <a:chOff x="0" y="0"/>
-          <a:chExt cx="0" cy="0"/>
-        </a:xfrm>
-      </p:grpSpPr>
-      <p:sp>
-        <p:nvSpPr>
-          <p:cNvPr id="112642" name="Rectangle 2"/>
-          <p:cNvSpPr>
-            <a:spLocks noGrp="1" noChangeArrowheads="1"/>
-          </p:cNvSpPr>
-          <p:nvPr>
-            <p:ph type="title"/>
-          </p:nvPr>
-        </p:nvSpPr>
-        <p:spPr>
-          <a:xfrm>
-            <a:off x="1295400" y="228600"/>
-            <a:ext cx="7672388" cy="882650"/>
-          </a:xfrm>
-        </p:spPr>
-        <p:txBody>
-          <a:bodyPr/>
-          <a:lstStyle/>
-          <a:p>
-            <a:r>
-              <a:rPr lang="en-US">
-                <a:latin typeface="Comic Sans MS"/>
-                <a:cs typeface="Comic Sans MS"/>
-              </a:rPr>
-              <a:t>Pairwise Independent Sampling</a:t>
-            </a:r>
-          </a:p>
-        </p:txBody>
-      </p:sp>
-      <p:sp>
-        <p:nvSpPr>
-          <p:cNvPr id="112647" name="Text Box 7"/>
-          <p:cNvSpPr txBox="1">
-            <a:spLocks noChangeArrowheads="1"/>
-          </p:cNvSpPr>
-          <p:nvPr/>
-        </p:nvSpPr>
-        <p:spPr bwMode="auto">
-          <a:xfrm>
-            <a:off x="308900" y="1075540"/>
-            <a:ext cx="8318504" cy="3785652"/>
-          </a:xfrm>
-          <a:prstGeom prst="rect">
-            <a:avLst/>
-          </a:prstGeom>
-          <a:noFill/>
-          <a:ln w="28575">
-            <a:noFill/>
-            <a:miter lim="800000"/>
-            <a:headEnd/>
-            <a:tailEnd/>
-          </a:ln>
-          <a:effectLst/>
-        </p:spPr>
-        <p:txBody>
-          <a:bodyPr wrap="square">
-            <a:spAutoFit/>
-          </a:bodyPr>
-          <a:lstStyle/>
-          <a:p>
-            <a:r>
-              <a:rPr lang="en-US" sz="4000" dirty="0">
-                <a:solidFill>
-                  <a:srgbClr val="7030A0"/>
-                </a:solidFill>
-                <a:latin typeface="Comic Sans MS"/>
-                <a:cs typeface="Comic Sans MS"/>
-              </a:rPr>
-              <a:t>The </a:t>
-            </a:r>
-            <a:r>
-              <a:rPr lang="en-US" sz="4000" dirty="0" err="1">
-                <a:solidFill>
-                  <a:srgbClr val="7030A0"/>
-                </a:solidFill>
-                <a:latin typeface="Comic Sans MS"/>
-                <a:cs typeface="Comic Sans MS"/>
-              </a:rPr>
-              <a:t>punchline</a:t>
-            </a:r>
-            <a:r>
-              <a:rPr lang="en-US" sz="4000" dirty="0">
-                <a:solidFill>
-                  <a:srgbClr val="7030A0"/>
-                </a:solidFill>
-                <a:latin typeface="Comic Sans MS"/>
-                <a:cs typeface="Comic Sans MS"/>
-              </a:rPr>
-              <a:t>:</a:t>
-            </a:r>
-          </a:p>
-          <a:p>
-            <a:r>
-              <a:rPr lang="en-US" sz="4000" dirty="0">
-                <a:latin typeface="Comic Sans MS"/>
-                <a:cs typeface="Comic Sans MS"/>
-              </a:rPr>
-              <a:t>we now know how big a sample is</a:t>
-            </a:r>
-          </a:p>
-          <a:p>
-            <a:r>
-              <a:rPr lang="en-US" sz="4000" dirty="0">
-                <a:latin typeface="Comic Sans MS"/>
-                <a:cs typeface="Comic Sans MS"/>
-              </a:rPr>
-              <a:t>needed to estimate the mean of</a:t>
-            </a:r>
-          </a:p>
-          <a:p>
-            <a:r>
-              <a:rPr lang="en-US" sz="4000" dirty="0">
-                <a:latin typeface="Comic Sans MS"/>
-                <a:cs typeface="Comic Sans MS"/>
-              </a:rPr>
-              <a:t>any* random </a:t>
-            </a:r>
-            <a:r>
-              <a:rPr lang="en-US" dirty="0" smtClean="0">
-                <a:latin typeface="Comic Sans MS"/>
-                <a:cs typeface="Comic Sans MS"/>
-              </a:rPr>
-              <a:t>variable within</a:t>
-            </a:r>
-          </a:p>
-          <a:p>
-            <a:r>
-              <a:rPr lang="en-US" dirty="0" smtClean="0">
-                <a:latin typeface="Comic Sans MS"/>
-                <a:cs typeface="Comic Sans MS"/>
-              </a:rPr>
-              <a:t>any* desired tolerance with</a:t>
-            </a:r>
-            <a:endParaRPr lang="en-US" sz="4000" dirty="0" smtClean="0">
-              <a:latin typeface="Comic Sans MS"/>
-              <a:cs typeface="Comic Sans MS"/>
-            </a:endParaRPr>
-          </a:p>
-          <a:p>
-            <a:r>
-              <a:rPr lang="en-US" dirty="0" smtClean="0">
-                <a:latin typeface="Comic Sans MS"/>
-                <a:cs typeface="Comic Sans MS"/>
-              </a:rPr>
-              <a:t>any* desired probability</a:t>
-            </a:r>
-          </a:p>
-        </p:txBody>
-      </p:sp>
-      <p:sp>
-        <p:nvSpPr>
-          <p:cNvPr id="112648" name="Text Box 8"/>
-          <p:cNvSpPr txBox="1">
-            <a:spLocks noChangeArrowheads="1"/>
-          </p:cNvSpPr>
-          <p:nvPr/>
-        </p:nvSpPr>
-        <p:spPr bwMode="auto">
-          <a:xfrm>
-            <a:off x="440200" y="4690889"/>
-            <a:ext cx="8012669" cy="1446550"/>
-          </a:xfrm>
-          <a:prstGeom prst="rect">
-            <a:avLst/>
-          </a:prstGeom>
-          <a:noFill/>
-          <a:ln w="28575">
-            <a:noFill/>
-            <a:miter lim="800000"/>
-            <a:headEnd/>
-            <a:tailEnd/>
-          </a:ln>
-          <a:effectLst/>
-        </p:spPr>
-        <p:txBody>
-          <a:bodyPr wrap="square">
-            <a:spAutoFit/>
-          </a:bodyPr>
-          <a:lstStyle/>
-          <a:p>
-            <a:r>
-              <a:rPr lang="en-US" sz="4000" dirty="0" smtClean="0">
-                <a:latin typeface="Comic Sans MS"/>
-                <a:cs typeface="Comic Sans MS"/>
-              </a:rPr>
-              <a:t>*</a:t>
-            </a:r>
-            <a:r>
-              <a:rPr lang="en-US" sz="4000" dirty="0" smtClean="0">
-                <a:solidFill>
-                  <a:srgbClr val="008000"/>
-                </a:solidFill>
-                <a:latin typeface="Comic Sans MS"/>
-                <a:cs typeface="Comic Sans MS"/>
-              </a:rPr>
-              <a:t>variance </a:t>
-            </a:r>
-            <a:r>
-              <a:rPr lang="en-US" sz="4000" b="1" dirty="0" smtClean="0">
-                <a:solidFill>
-                  <a:srgbClr val="008000"/>
-                </a:solidFill>
-                <a:latin typeface="Euclid Symbol" charset="2"/>
-                <a:cs typeface="Euclid Symbol" charset="2"/>
-              </a:rPr>
-              <a:t>&lt; </a:t>
-            </a:r>
-            <a:r>
-              <a:rPr lang="en-US" sz="4800" b="1" dirty="0" smtClean="0">
-                <a:solidFill>
-                  <a:srgbClr val="007600"/>
-                </a:solidFill>
-                <a:latin typeface="Euclid Symbol" charset="2"/>
-                <a:cs typeface="Euclid Symbol" charset="2"/>
-                <a:sym typeface="Euclid Symbol" pitchFamily="18" charset="2"/>
-              </a:rPr>
-              <a:t>∞</a:t>
-            </a:r>
-            <a:r>
-              <a:rPr lang="en-US" sz="4000" dirty="0" smtClean="0">
-                <a:solidFill>
-                  <a:srgbClr val="008000"/>
-                </a:solidFill>
-                <a:latin typeface="Comic Sans MS"/>
-                <a:cs typeface="Comic Sans MS"/>
-              </a:rPr>
-              <a:t>, </a:t>
-            </a:r>
-            <a:r>
-              <a:rPr lang="en-US" sz="4000" dirty="0">
-                <a:solidFill>
-                  <a:srgbClr val="008000"/>
-                </a:solidFill>
-                <a:latin typeface="Comic Sans MS"/>
-                <a:cs typeface="Comic Sans MS"/>
-              </a:rPr>
-              <a:t>tolerance </a:t>
-            </a:r>
-            <a:r>
-              <a:rPr lang="en-US" sz="4000" b="1" dirty="0">
-                <a:solidFill>
-                  <a:srgbClr val="008000"/>
-                </a:solidFill>
-                <a:latin typeface="Euclid Symbol" charset="2"/>
-                <a:cs typeface="Euclid Symbol" charset="2"/>
-              </a:rPr>
-              <a:t>&gt;</a:t>
-            </a:r>
-            <a:r>
-              <a:rPr lang="en-US" sz="4000" dirty="0">
-                <a:solidFill>
-                  <a:srgbClr val="008000"/>
-                </a:solidFill>
-                <a:latin typeface="Comic Sans MS"/>
-                <a:cs typeface="Comic Sans MS"/>
-              </a:rPr>
-              <a:t> 0,</a:t>
-            </a:r>
-          </a:p>
-          <a:p>
-            <a:r>
-              <a:rPr lang="en-US" sz="4000" dirty="0">
-                <a:solidFill>
-                  <a:srgbClr val="008000"/>
-                </a:solidFill>
-                <a:latin typeface="Comic Sans MS"/>
-                <a:cs typeface="Comic Sans MS"/>
-              </a:rPr>
-              <a:t> </a:t>
-            </a:r>
-            <a:r>
-              <a:rPr lang="en-US" sz="4000" dirty="0" smtClean="0">
-                <a:solidFill>
-                  <a:srgbClr val="008000"/>
-                </a:solidFill>
-                <a:latin typeface="Comic Sans MS"/>
-                <a:cs typeface="Comic Sans MS"/>
-              </a:rPr>
-              <a:t> </a:t>
-            </a:r>
-            <a:r>
-              <a:rPr lang="en-US" dirty="0" smtClean="0">
-                <a:solidFill>
-                  <a:srgbClr val="008000"/>
-                </a:solidFill>
-                <a:latin typeface="Comic Sans MS"/>
-                <a:cs typeface="Comic Sans MS"/>
-              </a:rPr>
-              <a:t>probability</a:t>
-            </a:r>
-            <a:r>
-              <a:rPr lang="en-US" sz="4000" dirty="0" smtClean="0">
-                <a:solidFill>
-                  <a:srgbClr val="008000"/>
-                </a:solidFill>
-                <a:latin typeface="Comic Sans MS"/>
-                <a:cs typeface="Comic Sans MS"/>
-              </a:rPr>
-              <a:t> </a:t>
-            </a:r>
-            <a:r>
-              <a:rPr lang="en-US" sz="4000" b="1" dirty="0" smtClean="0">
-                <a:solidFill>
-                  <a:srgbClr val="008000"/>
-                </a:solidFill>
-                <a:latin typeface="Euclid Symbol" charset="2"/>
-                <a:cs typeface="Euclid Symbol" charset="2"/>
-              </a:rPr>
-              <a:t>&lt;</a:t>
-            </a:r>
-            <a:r>
-              <a:rPr lang="en-US" sz="4000" dirty="0" smtClean="0">
-                <a:solidFill>
-                  <a:srgbClr val="008000"/>
-                </a:solidFill>
-                <a:latin typeface="Comic Sans MS"/>
-                <a:cs typeface="Comic Sans MS"/>
-              </a:rPr>
-              <a:t> 1</a:t>
-            </a:r>
-            <a:endParaRPr lang="en-US" sz="4000" dirty="0">
-              <a:solidFill>
-                <a:srgbClr val="008000"/>
-              </a:solidFill>
-              <a:latin typeface="Comic Sans MS"/>
-              <a:cs typeface="Comic Sans MS"/>
-            </a:endParaRPr>
-          </a:p>
-        </p:txBody>
-      </p:sp>
-    </p:spTree>
-    <p:custDataLst>
-      <p:tags r:id="rId1"/>
-    </p:custDataLst>
-  </p:cSld>
-  <p:clrMapOvr>
-    <a:masterClrMapping/>
-  </p:clrMapOvr>
-  <p:transition xmlns:p14="http://schemas.microsoft.com/office/powerpoint/2010/main" spd="slow" advClick="0">
-    <p:fade thruBlk="1"/>
-  </p:transition>
-  <p:timing>
-    <p:tnLst>
-      <p:par>
-        <p:cTn xmlns:p14="http://schemas.microsoft.com/office/powerpoint/2010/main" id="1" dur="indefinite" restart="never" nodeType="tmRoot">
-          <p:childTnLst>
-            <p:seq concurrent="1" nextAc="seek">
-              <p:cTn id="2" dur="indefinite" nodeType="mainSeq">
-                <p:childTnLst>
-                  <p:par>
-                    <p:cTn id="3" fill="hold">
-                      <p:stCondLst>
-                        <p:cond delay="indefinite"/>
-                      </p:stCondLst>
-                      <p:childTnLst>
-                        <p:par>
-                          <p:cTn id="4" fill="hold">
-                            <p:stCondLst>
-                              <p:cond delay="0"/>
-                            </p:stCondLst>
-                            <p:childTnLst>
-                              <p:par>
-                                <p:cTn id="5" presetID="10" presetClass="entr" presetSubtype="0" fill="hold" grpId="0" nodeType="clickEffect">
-                                  <p:stCondLst>
-                                    <p:cond delay="0"/>
-                                  </p:stCondLst>
-                                  <p:childTnLst>
-                                    <p:set>
-                                      <p:cBhvr>
-                                        <p:cTn id="6" dur="1" fill="hold">
-                                          <p:stCondLst>
-                                            <p:cond delay="0"/>
-                                          </p:stCondLst>
-                                        </p:cTn>
-                                        <p:tgtEl>
-                                          <p:spTgt spid="112647">
-                                            <p:txEl>
-                                              <p:pRg st="1" end="1"/>
-                                            </p:txEl>
-                                          </p:spTgt>
-                                        </p:tgtEl>
-                                        <p:attrNameLst>
-                                          <p:attrName>style.visibility</p:attrName>
-                                        </p:attrNameLst>
-                                      </p:cBhvr>
-                                      <p:to>
-                                        <p:strVal val="visible"/>
-                                      </p:to>
-                                    </p:set>
-                                    <p:animEffect transition="in" filter="fade">
-                                      <p:cBhvr>
-                                        <p:cTn id="7" dur="500"/>
-                                        <p:tgtEl>
-                                          <p:spTgt spid="112647">
-                                            <p:txEl>
-                                              <p:pRg st="1" end="1"/>
-                                            </p:txEl>
-                                          </p:spTgt>
-                                        </p:tgtEl>
-                                      </p:cBhvr>
-                                    </p:animEffect>
-                                  </p:childTnLst>
-                                </p:cTn>
-                              </p:par>
-                              <p:par>
-                                <p:cTn id="8" presetID="10" presetClass="entr" presetSubtype="0" fill="hold" grpId="0" nodeType="withEffect">
-                                  <p:stCondLst>
-                                    <p:cond delay="0"/>
-                                  </p:stCondLst>
-                                  <p:childTnLst>
-                                    <p:set>
-                                      <p:cBhvr>
-                                        <p:cTn id="9" dur="1" fill="hold">
-                                          <p:stCondLst>
-                                            <p:cond delay="0"/>
-                                          </p:stCondLst>
-                                        </p:cTn>
-                                        <p:tgtEl>
-                                          <p:spTgt spid="112647">
-                                            <p:txEl>
-                                              <p:pRg st="2" end="2"/>
-                                            </p:txEl>
-                                          </p:spTgt>
-                                        </p:tgtEl>
-                                        <p:attrNameLst>
-                                          <p:attrName>style.visibility</p:attrName>
-                                        </p:attrNameLst>
-                                      </p:cBhvr>
-                                      <p:to>
-                                        <p:strVal val="visible"/>
-                                      </p:to>
-                                    </p:set>
-                                    <p:animEffect transition="in" filter="fade">
-                                      <p:cBhvr>
-                                        <p:cTn id="10" dur="500"/>
-                                        <p:tgtEl>
-                                          <p:spTgt spid="112647">
-                                            <p:txEl>
-                                              <p:pRg st="2" end="2"/>
-                                            </p:txEl>
-                                          </p:spTgt>
-                                        </p:tgtEl>
-                                      </p:cBhvr>
-                                    </p:animEffect>
-                                  </p:childTnLst>
-                                </p:cTn>
-                              </p:par>
-                            </p:childTnLst>
-                          </p:cTn>
-                        </p:par>
-                      </p:childTnLst>
-                    </p:cTn>
-                  </p:par>
-                  <p:par>
-                    <p:cTn id="11" fill="hold">
-                      <p:stCondLst>
-                        <p:cond delay="indefinite"/>
-                      </p:stCondLst>
-                      <p:childTnLst>
-                        <p:par>
-                          <p:cTn id="12" fill="hold">
-                            <p:stCondLst>
-                              <p:cond delay="0"/>
-                            </p:stCondLst>
-                            <p:childTnLst>
-                              <p:par>
-                                <p:cTn id="13" presetID="10" presetClass="entr" presetSubtype="0" fill="hold" grpId="0" nodeType="clickEffect">
-                                  <p:stCondLst>
-                                    <p:cond delay="0"/>
-                                  </p:stCondLst>
-                                  <p:childTnLst>
-                                    <p:set>
-                                      <p:cBhvr>
-                                        <p:cTn id="14" dur="1" fill="hold">
-                                          <p:stCondLst>
-                                            <p:cond delay="0"/>
-                                          </p:stCondLst>
-                                        </p:cTn>
-                                        <p:tgtEl>
-                                          <p:spTgt spid="112647">
-                                            <p:txEl>
-                                              <p:pRg st="3" end="3"/>
-                                            </p:txEl>
-                                          </p:spTgt>
-                                        </p:tgtEl>
-                                        <p:attrNameLst>
-                                          <p:attrName>style.visibility</p:attrName>
-                                        </p:attrNameLst>
-                                      </p:cBhvr>
-                                      <p:to>
-                                        <p:strVal val="visible"/>
-                                      </p:to>
-                                    </p:set>
-                                    <p:animEffect transition="in" filter="fade">
-                                      <p:cBhvr>
-                                        <p:cTn id="15" dur="500"/>
-                                        <p:tgtEl>
-                                          <p:spTgt spid="112647">
-                                            <p:txEl>
-                                              <p:pRg st="3" end="3"/>
-                                            </p:txEl>
-                                          </p:spTgt>
-                                        </p:tgtEl>
-                                      </p:cBhvr>
-                                    </p:animEffect>
-                                  </p:childTnLst>
-                                </p:cTn>
-                              </p:par>
-                            </p:childTnLst>
-                          </p:cTn>
-                        </p:par>
-                      </p:childTnLst>
-                    </p:cTn>
-                  </p:par>
-                  <p:par>
-                    <p:cTn id="16" fill="hold">
-                      <p:stCondLst>
-                        <p:cond delay="indefinite"/>
-                      </p:stCondLst>
-                      <p:childTnLst>
-                        <p:par>
-                          <p:cTn id="17" fill="hold">
-                            <p:stCondLst>
-                              <p:cond delay="0"/>
-                            </p:stCondLst>
-                            <p:childTnLst>
-                              <p:par>
-                                <p:cTn id="18" presetID="10" presetClass="entr" presetSubtype="0" fill="hold" grpId="0" nodeType="clickEffect">
-                                  <p:stCondLst>
-                                    <p:cond delay="0"/>
-                                  </p:stCondLst>
-                                  <p:childTnLst>
-                                    <p:set>
-                                      <p:cBhvr>
-                                        <p:cTn id="19" dur="1" fill="hold">
-                                          <p:stCondLst>
-                                            <p:cond delay="0"/>
-                                          </p:stCondLst>
-                                        </p:cTn>
-                                        <p:tgtEl>
-                                          <p:spTgt spid="112647">
-                                            <p:txEl>
-                                              <p:pRg st="4" end="4"/>
-                                            </p:txEl>
-                                          </p:spTgt>
-                                        </p:tgtEl>
-                                        <p:attrNameLst>
-                                          <p:attrName>style.visibility</p:attrName>
-                                        </p:attrNameLst>
-                                      </p:cBhvr>
-                                      <p:to>
-                                        <p:strVal val="visible"/>
-                                      </p:to>
-                                    </p:set>
-                                    <p:animEffect transition="in" filter="fade">
-                                      <p:cBhvr>
-                                        <p:cTn id="20" dur="500"/>
-                                        <p:tgtEl>
-                                          <p:spTgt spid="112647">
-                                            <p:txEl>
-                                              <p:pRg st="4" end="4"/>
-                                            </p:txEl>
-                                          </p:spTgt>
-                                        </p:tgtEl>
-                                      </p:cBhvr>
-                                    </p:animEffect>
-                                  </p:childTnLst>
-                                </p:cTn>
-                              </p:par>
-                            </p:childTnLst>
-                          </p:cTn>
-                        </p:par>
-                      </p:childTnLst>
-                    </p:cTn>
-                  </p:par>
-                  <p:par>
-                    <p:cTn id="21" fill="hold">
-                      <p:stCondLst>
-                        <p:cond delay="indefinite"/>
-                      </p:stCondLst>
-                      <p:childTnLst>
-                        <p:par>
-                          <p:cTn id="22" fill="hold">
-                            <p:stCondLst>
-                              <p:cond delay="0"/>
-                            </p:stCondLst>
-                            <p:childTnLst>
-                              <p:par>
-                                <p:cTn id="23" presetID="10" presetClass="entr" presetSubtype="0" fill="hold" grpId="0" nodeType="clickEffect">
-                                  <p:stCondLst>
-                                    <p:cond delay="0"/>
-                                  </p:stCondLst>
-                                  <p:childTnLst>
-                                    <p:set>
-                                      <p:cBhvr>
-                                        <p:cTn id="24" dur="1" fill="hold">
-                                          <p:stCondLst>
-                                            <p:cond delay="0"/>
-                                          </p:stCondLst>
-                                        </p:cTn>
-                                        <p:tgtEl>
-                                          <p:spTgt spid="112647">
-                                            <p:txEl>
-                                              <p:pRg st="5" end="5"/>
-                                            </p:txEl>
-                                          </p:spTgt>
-                                        </p:tgtEl>
-                                        <p:attrNameLst>
-                                          <p:attrName>style.visibility</p:attrName>
-                                        </p:attrNameLst>
-                                      </p:cBhvr>
-                                      <p:to>
-                                        <p:strVal val="visible"/>
-                                      </p:to>
-                                    </p:set>
-                                    <p:animEffect transition="in" filter="fade">
-                                      <p:cBhvr>
-                                        <p:cTn id="25" dur="500"/>
-                                        <p:tgtEl>
-                                          <p:spTgt spid="112647">
-                                            <p:txEl>
-                                              <p:pRg st="5" end="5"/>
-                                            </p:txEl>
-                                          </p:spTgt>
-                                        </p:tgtEl>
-                                      </p:cBhvr>
-                                    </p:animEffect>
-                                  </p:childTnLst>
-                                </p:cTn>
-                              </p:par>
-                            </p:childTnLst>
-                          </p:cTn>
-                        </p:par>
-                      </p:childTnLst>
-                    </p:cTn>
-                  </p:par>
-                  <p:par>
-                    <p:cTn id="26" fill="hold">
-                      <p:stCondLst>
-                        <p:cond delay="indefinite"/>
-                      </p:stCondLst>
-                      <p:childTnLst>
-                        <p:par>
-                          <p:cTn id="27" fill="hold">
-                            <p:stCondLst>
-                              <p:cond delay="0"/>
-                            </p:stCondLst>
-                            <p:childTnLst>
-                              <p:par>
-                                <p:cTn id="28" presetID="9" presetClass="entr" presetSubtype="0" fill="hold" grpId="0" nodeType="clickEffect">
-                                  <p:stCondLst>
-                                    <p:cond delay="0"/>
-                                  </p:stCondLst>
-                                  <p:childTnLst>
-                                    <p:set>
-                                      <p:cBhvr>
-                                        <p:cTn id="29" dur="1" fill="hold">
-                                          <p:stCondLst>
-                                            <p:cond delay="0"/>
-                                          </p:stCondLst>
-                                        </p:cTn>
-                                        <p:tgtEl>
-                                          <p:spTgt spid="112648"/>
-                                        </p:tgtEl>
-                                        <p:attrNameLst>
-                                          <p:attrName>style.visibility</p:attrName>
-                                        </p:attrNameLst>
-                                      </p:cBhvr>
-                                      <p:to>
-                                        <p:strVal val="visible"/>
-                                      </p:to>
-                                    </p:set>
-                                    <p:animEffect transition="in" filter="dissolve">
-                                      <p:cBhvr>
-                                        <p:cTn id="30" dur="500"/>
-                                        <p:tgtEl>
-                                          <p:spTgt spid="112648"/>
-                                        </p:tgtEl>
-                                      </p:cBhvr>
-                                    </p:animEffect>
-                                  </p:childTnLst>
-                                </p:cTn>
-                              </p:par>
-                            </p:childTnLst>
-                          </p:cTn>
-                        </p:par>
-                      </p:childTnLst>
-                    </p:cTn>
-                  </p:par>
-                </p:childTnLst>
-              </p:cTn>
-              <p:prevCondLst>
-                <p:cond evt="onPrev" delay="0">
-                  <p:tgtEl>
-                    <p:sldTgt/>
-                  </p:tgtEl>
-                </p:cond>
-              </p:prevCondLst>
-              <p:nextCondLst>
-                <p:cond evt="onNext" delay="0">
-                  <p:tgtEl>
-                    <p:sldTgt/>
-                  </p:tgtEl>
-                </p:cond>
-              </p:nextCondLst>
-            </p:seq>
-          </p:childTnLst>
-        </p:cTn>
-      </p:par>
-    </p:tnLst>
-    <p:bldLst>
-      <p:bldP spid="112647" grpId="0" build="p"/>
-      <p:bldP spid="112648" grpId="0"/>
     </p:bldLst>
   </p:timing>
 </p:sld>
